--- a/Capstone Two/reports/Capstone_Presentation.pptx
+++ b/Capstone Two/reports/Capstone_Presentation.pptx
@@ -11274,7 +11274,7 @@
                   <a:schemeClr val="tx1"/>
                 </a:solidFill>
               </a:rPr>
-              <a:t>30% Validation data</a:t>
+              <a:t>30% Test data</a:t>
             </a:r>
           </a:p>
         </p:txBody>
@@ -11720,7 +11720,7 @@
                   <a:schemeClr val="bg1"/>
                 </a:solidFill>
               </a:rPr>
-              <a:t>This is a classification problem since we want to </a:t>
+              <a:t>Since we want to </a:t>
             </a:r>
             <a:r>
               <a:rPr lang="en-US" sz="1600" b="0" i="0" dirty="0">
@@ -11765,7 +11765,7 @@
                 </a:solidFill>
                 <a:effectLst/>
               </a:rPr>
-              <a:t>Also ROC AUC score is important to see how well classifier performed</a:t>
+              <a:t>Also, ROC AUC score is important to see how well classifier performed</a:t>
             </a:r>
           </a:p>
         </p:txBody>
@@ -11948,7 +11948,7 @@
         </p:nvSpPr>
         <p:spPr>
           <a:xfrm>
-            <a:off x="9616733" y="2555979"/>
+            <a:off x="9616733" y="2566612"/>
             <a:ext cx="2554002" cy="2087328"/>
           </a:xfrm>
           <a:prstGeom prst="cloud">
@@ -12391,7 +12391,7 @@
                   <a:schemeClr val="tx1"/>
                 </a:solidFill>
               </a:rPr>
-              <a:t>Random Classifier model using optimal parameters and 30% of training data</a:t>
+              <a:t>Random Classifier model using optimal parameters and 70% of training data</a:t>
             </a:r>
           </a:p>
         </p:txBody>
@@ -12519,15 +12519,7 @@
             <a:pPr algn="ctr"/>
             <a:r>
               <a:rPr lang="en-US" dirty="0"/>
-              <a:t>Random Forest </a:t>
-            </a:r>
-            <a:r>
-              <a:rPr lang="en-US" dirty="0" err="1"/>
-              <a:t>classifer</a:t>
-            </a:r>
-            <a:r>
-              <a:rPr lang="en-US" dirty="0"/>
-              <a:t> model </a:t>
+              <a:t>Random Forest classifier model </a:t>
             </a:r>
           </a:p>
         </p:txBody>
@@ -13154,7 +13146,7 @@
                   <a:schemeClr val="bg1"/>
                 </a:solidFill>
               </a:rPr>
-              <a:t>However, the model was able to predict quite well produce a significantly high true negative  rate (‘0’ – Sincere questions)and it is equally important to reduce false negatives for such problems</a:t>
+              <a:t>However, the model was able to predict quite well produce a significantly high true negative  rate (‘0’ – Sincere questions) and it is equally important to reduce false negatives for such problems</a:t>
             </a:r>
           </a:p>
         </p:txBody>
@@ -14077,8 +14069,8 @@
         </p:nvSpPr>
         <p:spPr>
           <a:xfrm>
-            <a:off x="1765211" y="6211211"/>
-            <a:ext cx="8739757" cy="572216"/>
+            <a:off x="1393070" y="6211211"/>
+            <a:ext cx="9441505" cy="572216"/>
           </a:xfrm>
           <a:prstGeom prst="rect">
             <a:avLst/>
@@ -14114,7 +14106,7 @@
                   <a:schemeClr val="bg1"/>
                 </a:solidFill>
               </a:rPr>
-              <a:t>ROC AUC Score and f1 score was almost the same on the unseen test dataset which is a good sign</a:t>
+              <a:t>ROC AUC Score and weighted f1 score was almost the same on the unseen test dataset which is a good sign</a:t>
             </a:r>
           </a:p>
           <a:p>
@@ -14387,8 +14379,8 @@
         </p:nvSpPr>
         <p:spPr>
           <a:xfrm>
-            <a:off x="535627" y="1176848"/>
-            <a:ext cx="11120746" cy="5276203"/>
+            <a:off x="237910" y="1081151"/>
+            <a:ext cx="11808773" cy="5681152"/>
           </a:xfrm>
           <a:prstGeom prst="rect">
             <a:avLst/>
@@ -14568,15 +14560,18 @@
                 <a:spcPct val="150000"/>
               </a:lnSpc>
               <a:spcBef>
-                <a:spcPts val="0"/>
+                <a:spcPts val="125"/>
               </a:spcBef>
+              <a:spcAft>
+                <a:spcPts val="125"/>
+              </a:spcAft>
               <a:buSzPts val="1800"/>
               <a:buFont typeface="Arial" panose="020B0604020202020204" pitchFamily="34" charset="0"/>
               <a:buChar char="❖"/>
             </a:pPr>
             <a:r>
-              <a:rPr lang="en-US" sz="1800" dirty="0"/>
-              <a:t>Apply a different test, training data split instead of 30:70 to see if there is a further score improvement.</a:t>
+              <a:rPr lang="en-US" sz="1700" dirty="0"/>
+              <a:t>Apply a different training, test data split instead to further improve scores across different classification evaluation metrics.</a:t>
             </a:r>
           </a:p>
           <a:p>
@@ -14585,15 +14580,18 @@
                 <a:spcPct val="150000"/>
               </a:lnSpc>
               <a:spcBef>
-                <a:spcPts val="0"/>
+                <a:spcPts val="125"/>
               </a:spcBef>
+              <a:spcAft>
+                <a:spcPts val="125"/>
+              </a:spcAft>
               <a:buSzPts val="1800"/>
               <a:buFont typeface="Arial" panose="020B0604020202020204" pitchFamily="34" charset="0"/>
               <a:buChar char="❖"/>
             </a:pPr>
             <a:r>
-              <a:rPr lang="en-US" sz="1800" dirty="0"/>
-              <a:t>Hyperparameter tuning can be performed on Gradient boosting models but limiting scope of this project to only tuning RF classifier model.</a:t>
+              <a:rPr lang="en-US" sz="1700" dirty="0"/>
+              <a:t>Hyperparameter tuning can be performed on Gradient boosting models but limited scope of this project to only tuning Radom Forest classifier model.</a:t>
             </a:r>
           </a:p>
           <a:p>
@@ -14602,39 +14600,42 @@
                 <a:spcPct val="150000"/>
               </a:lnSpc>
               <a:spcBef>
-                <a:spcPts val="0"/>
+                <a:spcPts val="125"/>
               </a:spcBef>
+              <a:spcAft>
+                <a:spcPts val="125"/>
+              </a:spcAft>
               <a:buSzPts val="1800"/>
               <a:buFont typeface="Arial" panose="020B0604020202020204" pitchFamily="34" charset="0"/>
               <a:buChar char="❖"/>
             </a:pPr>
             <a:r>
-              <a:rPr lang="en-US" sz="1800" dirty="0"/>
+              <a:rPr lang="en-US" sz="1700" dirty="0"/>
               <a:t>Perform hyperparameter tuning on additional parameters than just criterion, </a:t>
             </a:r>
             <a:r>
-              <a:rPr lang="en-US" sz="1800" dirty="0" err="1"/>
+              <a:rPr lang="en-US" sz="1700" dirty="0" err="1"/>
               <a:t>max_depth</a:t>
             </a:r>
             <a:r>
-              <a:rPr lang="en-US" sz="1800" dirty="0"/>
+              <a:rPr lang="en-US" sz="1700" dirty="0"/>
               <a:t>, </a:t>
             </a:r>
             <a:r>
-              <a:rPr lang="en-US" sz="1800" dirty="0" err="1"/>
+              <a:rPr lang="en-US" sz="1700" dirty="0" err="1"/>
               <a:t>max_features</a:t>
             </a:r>
             <a:r>
-              <a:rPr lang="en-US" sz="1800" dirty="0"/>
+              <a:rPr lang="en-US" sz="1700" dirty="0"/>
               <a:t>, </a:t>
             </a:r>
             <a:r>
-              <a:rPr lang="en-US" sz="1800" dirty="0" err="1"/>
+              <a:rPr lang="en-US" sz="1700" dirty="0" err="1"/>
               <a:t>n_estimators</a:t>
             </a:r>
             <a:r>
-              <a:rPr lang="en-US" sz="1800" dirty="0"/>
-              <a:t> which could additionally, improve the scores, especially the true positive score (i.e. classifying insincere questions better).</a:t>
+              <a:rPr lang="en-US" sz="1700" dirty="0"/>
+              <a:t> which could additionally, improve the scores, especially the true positive score </a:t>
             </a:r>
           </a:p>
           <a:p>
@@ -14643,22 +14644,25 @@
                 <a:spcPct val="150000"/>
               </a:lnSpc>
               <a:spcBef>
-                <a:spcPts val="0"/>
+                <a:spcPts val="125"/>
               </a:spcBef>
+              <a:spcAft>
+                <a:spcPts val="125"/>
+              </a:spcAft>
               <a:buSzPts val="1800"/>
               <a:buFont typeface="Arial" panose="020B0604020202020204" pitchFamily="34" charset="0"/>
               <a:buChar char="❖"/>
             </a:pPr>
             <a:r>
-              <a:rPr lang="en-US" sz="1800" dirty="0"/>
+              <a:rPr lang="en-US" sz="1700" dirty="0"/>
               <a:t>Apply Cross Validation using </a:t>
             </a:r>
             <a:r>
-              <a:rPr lang="en-US" sz="1800" dirty="0" err="1"/>
+              <a:rPr lang="en-US" sz="1700" dirty="0" err="1"/>
               <a:t>GridSearchCV</a:t>
             </a:r>
             <a:r>
-              <a:rPr lang="en-US" sz="1800" dirty="0"/>
+              <a:rPr lang="en-US" sz="1700" dirty="0"/>
               <a:t> across all models rather than just Random Forest that was chosen for Hyperparameter tuning.</a:t>
             </a:r>
           </a:p>
@@ -14668,14 +14672,17 @@
                 <a:spcPct val="150000"/>
               </a:lnSpc>
               <a:spcBef>
-                <a:spcPts val="0"/>
+                <a:spcPts val="125"/>
               </a:spcBef>
+              <a:spcAft>
+                <a:spcPts val="125"/>
+              </a:spcAft>
               <a:buSzPts val="1800"/>
               <a:buFont typeface="Arial" panose="020B0604020202020204" pitchFamily="34" charset="0"/>
               <a:buChar char="❖"/>
             </a:pPr>
             <a:r>
-              <a:rPr lang="en-US" sz="1800" dirty="0"/>
+              <a:rPr lang="en-US" sz="1700" dirty="0"/>
               <a:t>Choose more than 200 max features aka categorical features for modeling step.</a:t>
             </a:r>
           </a:p>
@@ -14685,14 +14692,17 @@
                 <a:spcPct val="150000"/>
               </a:lnSpc>
               <a:spcBef>
-                <a:spcPts val="0"/>
+                <a:spcPts val="125"/>
               </a:spcBef>
+              <a:spcAft>
+                <a:spcPts val="125"/>
+              </a:spcAft>
               <a:buSzPts val="1800"/>
               <a:buFont typeface="Arial" panose="020B0604020202020204" pitchFamily="34" charset="0"/>
               <a:buChar char="❖"/>
             </a:pPr>
             <a:r>
-              <a:rPr lang="en-US" sz="1800" dirty="0"/>
+              <a:rPr lang="en-US" sz="1700" dirty="0"/>
               <a:t>Chose 200 due to CPU constraints causing overcommit memory issues.</a:t>
             </a:r>
           </a:p>
@@ -14702,15 +14712,38 @@
                 <a:spcPct val="150000"/>
               </a:lnSpc>
               <a:spcBef>
-                <a:spcPts val="0"/>
+                <a:spcPts val="125"/>
               </a:spcBef>
+              <a:spcAft>
+                <a:spcPts val="125"/>
+              </a:spcAft>
               <a:buSzPts val="1800"/>
               <a:buFont typeface="Arial" panose="020B0604020202020204" pitchFamily="34" charset="0"/>
               <a:buChar char="❖"/>
             </a:pPr>
             <a:r>
-              <a:rPr lang="en-US" sz="1400" dirty="0"/>
+              <a:rPr lang="en-US" sz="1700" dirty="0"/>
               <a:t>Choosing 500-1000 max features would ensure modeling is performed on a dataset without getting rid of few important features that could have possibly been trimmed in this effort</a:t>
+            </a:r>
+          </a:p>
+          <a:p>
+            <a:pPr marL="457200" indent="-342900">
+              <a:lnSpc>
+                <a:spcPct val="150000"/>
+              </a:lnSpc>
+              <a:spcBef>
+                <a:spcPts val="125"/>
+              </a:spcBef>
+              <a:spcAft>
+                <a:spcPts val="125"/>
+              </a:spcAft>
+              <a:buSzPts val="1800"/>
+              <a:buFont typeface="Arial" panose="020B0604020202020204" pitchFamily="34" charset="0"/>
+              <a:buChar char="❖"/>
+            </a:pPr>
+            <a:r>
+              <a:rPr lang="en-US" sz="1700" dirty="0"/>
+              <a:t>Use word embeddings to analyze semantic and syntactic similarity, relation with other words for better classification and model results.</a:t>
             </a:r>
           </a:p>
         </p:txBody>
@@ -14761,6 +14794,7 @@
         </p:nvPicPr>
         <p:blipFill>
           <a:blip r:embed="rId2">
+            <a:alphaModFix amt="50000"/>
             <a:extLst>
               <a:ext uri="{28A0092B-C50C-407E-A947-70E740481C1C}">
                 <a14:useLocalDpi xmlns:a14="http://schemas.microsoft.com/office/drawing/2010/main" val="0"/>
@@ -14773,7 +14807,7 @@
         </p:blipFill>
         <p:spPr>
           <a:xfrm>
-            <a:off x="2388552" y="4374387"/>
+            <a:off x="2201876" y="4363754"/>
             <a:ext cx="2926889" cy="2379844"/>
           </a:xfrm>
           <a:prstGeom prst="rect">
@@ -14797,7 +14831,7 @@
         </p:nvPicPr>
         <p:blipFill>
           <a:blip r:embed="rId3">
-            <a:alphaModFix amt="70000"/>
+            <a:alphaModFix amt="50000"/>
             <a:extLst>
               <a:ext uri="{28A0092B-C50C-407E-A947-70E740481C1C}">
                 <a14:useLocalDpi xmlns:a14="http://schemas.microsoft.com/office/drawing/2010/main" val="0"/>
@@ -14810,7 +14844,7 @@
         </p:blipFill>
         <p:spPr>
           <a:xfrm>
-            <a:off x="5165458" y="3836890"/>
+            <a:off x="5044602" y="3822343"/>
             <a:ext cx="2466975" cy="1847850"/>
           </a:xfrm>
           <a:prstGeom prst="rect">
@@ -14834,6 +14868,7 @@
         </p:nvPicPr>
         <p:blipFill>
           <a:blip r:embed="rId4">
+            <a:alphaModFix amt="50000"/>
             <a:extLst>
               <a:ext uri="{28A0092B-C50C-407E-A947-70E740481C1C}">
                 <a14:useLocalDpi xmlns:a14="http://schemas.microsoft.com/office/drawing/2010/main" val="0"/>
@@ -14870,6 +14905,7 @@
         </p:nvPicPr>
         <p:blipFill>
           <a:blip r:embed="rId5">
+            <a:alphaModFix amt="50000"/>
             <a:extLst>
               <a:ext uri="{28A0092B-C50C-407E-A947-70E740481C1C}">
                 <a14:useLocalDpi xmlns:a14="http://schemas.microsoft.com/office/drawing/2010/main" val="0"/>
@@ -14906,7 +14942,7 @@
         </p:nvPicPr>
         <p:blipFill>
           <a:blip r:embed="rId6">
-            <a:alphaModFix amt="70000"/>
+            <a:alphaModFix amt="50000"/>
             <a:extLst>
               <a:ext uri="{28A0092B-C50C-407E-A947-70E740481C1C}">
                 <a14:useLocalDpi xmlns:a14="http://schemas.microsoft.com/office/drawing/2010/main" val="0"/>
@@ -14941,7 +14977,7 @@
         </p:nvSpPr>
         <p:spPr>
           <a:xfrm>
-            <a:off x="5905392" y="866594"/>
+            <a:off x="4708210" y="1244600"/>
             <a:ext cx="6019093" cy="1015663"/>
           </a:xfrm>
           <a:prstGeom prst="rect">
@@ -14983,8 +15019,8 @@
         </p:nvSpPr>
         <p:spPr>
           <a:xfrm rot="18695222">
-            <a:off x="6953253" y="2210489"/>
-            <a:ext cx="4513191" cy="630942"/>
+            <a:off x="7383126" y="2851036"/>
+            <a:ext cx="4513191" cy="707886"/>
           </a:xfrm>
           <a:prstGeom prst="rect">
             <a:avLst/>
@@ -14998,7 +15034,7 @@
           <a:lstStyle/>
           <a:p>
             <a:r>
-              <a:rPr lang="en-US" sz="3500" b="1" dirty="0">
+              <a:rPr lang="en-US" sz="4000" b="1" dirty="0">
                 <a:solidFill>
                   <a:schemeClr val="accent2">
                     <a:lumMod val="60000"/>
@@ -15025,7 +15061,7 @@
         </p:nvSpPr>
         <p:spPr>
           <a:xfrm rot="14524717">
-            <a:off x="5663627" y="1833837"/>
+            <a:off x="6180960" y="2502352"/>
             <a:ext cx="2707957" cy="861774"/>
           </a:xfrm>
           <a:prstGeom prst="rect">
@@ -15064,7 +15100,7 @@
         </p:nvSpPr>
         <p:spPr>
           <a:xfrm>
-            <a:off x="9001780" y="2866889"/>
+            <a:off x="9280843" y="3606216"/>
             <a:ext cx="3755850" cy="1292662"/>
           </a:xfrm>
           <a:prstGeom prst="rect">
@@ -15099,7 +15135,7 @@
         </p:nvSpPr>
         <p:spPr>
           <a:xfrm>
-            <a:off x="4154979" y="1576128"/>
+            <a:off x="4176052" y="1885480"/>
             <a:ext cx="3839895" cy="1785104"/>
           </a:xfrm>
           <a:prstGeom prst="rect">
@@ -15126,10 +15162,10 @@
       </p:sp>
       <p:sp>
         <p:nvSpPr>
-          <p:cNvPr id="21" name="TextBox 20">
-            <a:extLst>
-              <a:ext uri="{FF2B5EF4-FFF2-40B4-BE49-F238E27FC236}">
-                <a16:creationId xmlns:a16="http://schemas.microsoft.com/office/drawing/2014/main" id="{B71F5BD9-76DA-4EBF-A6F8-281AB21B186D}"/>
+          <p:cNvPr id="22" name="TextBox 21">
+            <a:extLst>
+              <a:ext uri="{FF2B5EF4-FFF2-40B4-BE49-F238E27FC236}">
+                <a16:creationId xmlns:a16="http://schemas.microsoft.com/office/drawing/2014/main" id="{11530971-CF3A-4026-B930-7537CDF67CA8}"/>
               </a:ext>
             </a:extLst>
           </p:cNvPr>
@@ -15138,42 +15174,7 @@
         </p:nvSpPr>
         <p:spPr>
           <a:xfrm>
-            <a:off x="9001780" y="2866889"/>
-            <a:ext cx="3755850" cy="1292662"/>
-          </a:xfrm>
-          <a:prstGeom prst="rect">
-            <a:avLst/>
-          </a:prstGeom>
-          <a:noFill/>
-        </p:spPr>
-        <p:txBody>
-          <a:bodyPr wrap="square" rtlCol="0">
-            <a:spAutoFit/>
-          </a:bodyPr>
-          <a:lstStyle/>
-          <a:p>
-            <a:r>
-              <a:rPr lang="en-US" sz="3900" dirty="0"/>
-              <a:t>Inflammatory content</a:t>
-            </a:r>
-          </a:p>
-        </p:txBody>
-      </p:sp>
-      <p:sp>
-        <p:nvSpPr>
-          <p:cNvPr id="22" name="TextBox 21">
-            <a:extLst>
-              <a:ext uri="{FF2B5EF4-FFF2-40B4-BE49-F238E27FC236}">
-                <a16:creationId xmlns:a16="http://schemas.microsoft.com/office/drawing/2014/main" id="{11530971-CF3A-4026-B930-7537CDF67CA8}"/>
-              </a:ext>
-            </a:extLst>
-          </p:cNvPr>
-          <p:cNvSpPr txBox="1"/>
-          <p:nvPr/>
-        </p:nvSpPr>
-        <p:spPr>
-          <a:xfrm>
-            <a:off x="8345727" y="531012"/>
+            <a:off x="6670180" y="2020633"/>
             <a:ext cx="3755850" cy="477054"/>
           </a:xfrm>
           <a:prstGeom prst="rect">
@@ -15257,6 +15258,165 @@
           </a:p>
         </p:txBody>
       </p:sp>
+      <p:pic>
+        <p:nvPicPr>
+          <p:cNvPr id="27" name="Picture 26" descr="Logo, company name&#10;&#10;Description automatically generated">
+            <a:extLst>
+              <a:ext uri="{FF2B5EF4-FFF2-40B4-BE49-F238E27FC236}">
+                <a16:creationId xmlns:a16="http://schemas.microsoft.com/office/drawing/2014/main" id="{3A310DC3-D176-467B-85BD-4FFF5747FC64}"/>
+              </a:ext>
+            </a:extLst>
+          </p:cNvPr>
+          <p:cNvPicPr>
+            <a:picLocks noChangeAspect="1"/>
+          </p:cNvPicPr>
+          <p:nvPr/>
+        </p:nvPicPr>
+        <p:blipFill rotWithShape="1">
+          <a:blip r:embed="rId7">
+            <a:extLst>
+              <a:ext uri="{28A0092B-C50C-407E-A947-70E740481C1C}">
+                <a14:useLocalDpi xmlns:a14="http://schemas.microsoft.com/office/drawing/2010/main" val="0"/>
+              </a:ext>
+            </a:extLst>
+          </a:blip>
+          <a:srcRect t="16216" b="25515"/>
+          <a:stretch/>
+        </p:blipFill>
+        <p:spPr>
+          <a:xfrm>
+            <a:off x="4795432" y="237866"/>
+            <a:ext cx="2619375" cy="1015663"/>
+          </a:xfrm>
+          <a:prstGeom prst="rect">
+            <a:avLst/>
+          </a:prstGeom>
+        </p:spPr>
+      </p:pic>
+      <p:sp>
+        <p:nvSpPr>
+          <p:cNvPr id="28" name="Rectangle: Rounded Corners 27">
+            <a:extLst>
+              <a:ext uri="{FF2B5EF4-FFF2-40B4-BE49-F238E27FC236}">
+                <a16:creationId xmlns:a16="http://schemas.microsoft.com/office/drawing/2014/main" id="{4666F043-2354-41CA-8DAE-EC5BFED5D658}"/>
+              </a:ext>
+            </a:extLst>
+          </p:cNvPr>
+          <p:cNvSpPr/>
+          <p:nvPr/>
+        </p:nvSpPr>
+        <p:spPr>
+          <a:xfrm>
+            <a:off x="102739" y="1238401"/>
+            <a:ext cx="11993564" cy="5505197"/>
+          </a:xfrm>
+          <a:prstGeom prst="roundRect">
+            <a:avLst>
+              <a:gd name="adj" fmla="val 2182"/>
+            </a:avLst>
+          </a:prstGeom>
+          <a:noFill/>
+        </p:spPr>
+        <p:style>
+          <a:lnRef idx="2">
+            <a:schemeClr val="accent1">
+              <a:shade val="50000"/>
+            </a:schemeClr>
+          </a:lnRef>
+          <a:fillRef idx="1">
+            <a:schemeClr val="accent1"/>
+          </a:fillRef>
+          <a:effectRef idx="0">
+            <a:schemeClr val="accent1"/>
+          </a:effectRef>
+          <a:fontRef idx="minor">
+            <a:schemeClr val="lt1"/>
+          </a:fontRef>
+        </p:style>
+        <p:txBody>
+          <a:bodyPr rtlCol="0" anchor="ctr"/>
+          <a:lstStyle/>
+          <a:p>
+            <a:pPr algn="ctr"/>
+            <a:endParaRPr lang="en-US"/>
+          </a:p>
+        </p:txBody>
+      </p:sp>
+      <p:pic>
+        <p:nvPicPr>
+          <p:cNvPr id="34" name="Picture 33" descr="Icon&#10;&#10;Description automatically generated">
+            <a:extLst>
+              <a:ext uri="{FF2B5EF4-FFF2-40B4-BE49-F238E27FC236}">
+                <a16:creationId xmlns:a16="http://schemas.microsoft.com/office/drawing/2014/main" id="{C1D45284-F47A-45FB-AA6B-A9178BC50685}"/>
+              </a:ext>
+            </a:extLst>
+          </p:cNvPr>
+          <p:cNvPicPr>
+            <a:picLocks noChangeAspect="1"/>
+          </p:cNvPicPr>
+          <p:nvPr/>
+        </p:nvPicPr>
+        <p:blipFill>
+          <a:blip r:embed="rId8">
+            <a:extLst>
+              <a:ext uri="{28A0092B-C50C-407E-A947-70E740481C1C}">
+                <a14:useLocalDpi xmlns:a14="http://schemas.microsoft.com/office/drawing/2010/main" val="0"/>
+              </a:ext>
+            </a:extLst>
+          </a:blip>
+          <a:stretch>
+            <a:fillRect/>
+          </a:stretch>
+        </p:blipFill>
+        <p:spPr>
+          <a:xfrm>
+            <a:off x="10089490" y="508292"/>
+            <a:ext cx="1844792" cy="1143140"/>
+          </a:xfrm>
+          <a:prstGeom prst="rect">
+            <a:avLst/>
+          </a:prstGeom>
+        </p:spPr>
+      </p:pic>
+      <p:pic>
+        <p:nvPicPr>
+          <p:cNvPr id="36" name="Graphic 35">
+            <a:extLst>
+              <a:ext uri="{FF2B5EF4-FFF2-40B4-BE49-F238E27FC236}">
+                <a16:creationId xmlns:a16="http://schemas.microsoft.com/office/drawing/2014/main" id="{D13231E7-A577-4859-8F09-FC78D88CEE8F}"/>
+              </a:ext>
+            </a:extLst>
+          </p:cNvPr>
+          <p:cNvPicPr>
+            <a:picLocks noChangeAspect="1"/>
+          </p:cNvPicPr>
+          <p:nvPr/>
+        </p:nvPicPr>
+        <p:blipFill>
+          <a:blip r:embed="rId9">
+            <a:extLst>
+              <a:ext uri="{28A0092B-C50C-407E-A947-70E740481C1C}">
+                <a14:useLocalDpi xmlns:a14="http://schemas.microsoft.com/office/drawing/2010/main" val="0"/>
+              </a:ext>
+              <a:ext uri="{96DAC541-7B7A-43D3-8B79-37D633B846F1}">
+                <asvg:svgBlip xmlns:asvg="http://schemas.microsoft.com/office/drawing/2016/SVG/main" r:embed="rId10"/>
+              </a:ext>
+            </a:extLst>
+          </a:blip>
+          <a:stretch>
+            <a:fillRect/>
+          </a:stretch>
+        </p:blipFill>
+        <p:spPr>
+          <a:xfrm>
+            <a:off x="9924122" y="391919"/>
+            <a:ext cx="1212087" cy="1259513"/>
+          </a:xfrm>
+          <a:prstGeom prst="rect">
+            <a:avLst/>
+          </a:prstGeom>
+        </p:spPr>
+      </p:pic>
     </p:spTree>
     <p:extLst>
       <p:ext uri="{BB962C8B-B14F-4D97-AF65-F5344CB8AC3E}">
@@ -15587,7 +15747,7 @@
         </p:nvGrpSpPr>
         <p:grpSpPr>
           <a:xfrm>
-            <a:off x="102090" y="2322691"/>
+            <a:off x="91572" y="2436853"/>
             <a:ext cx="5083321" cy="3097348"/>
             <a:chOff x="2806435" y="3776288"/>
             <a:chExt cx="5083321" cy="3097348"/>
@@ -15657,7 +15817,7 @@
           </p:blipFill>
           <p:spPr>
             <a:xfrm>
-              <a:off x="3501502" y="4625422"/>
+              <a:off x="3512535" y="4753137"/>
               <a:ext cx="1303053" cy="729710"/>
             </a:xfrm>
             <a:prstGeom prst="rect">
@@ -15777,7 +15937,7 @@
         </p:blipFill>
         <p:spPr>
           <a:xfrm>
-            <a:off x="9584981" y="2148562"/>
+            <a:off x="9682241" y="1565464"/>
             <a:ext cx="1342000" cy="1342000"/>
           </a:xfrm>
           <a:prstGeom prst="rect">
@@ -16001,7 +16161,7 @@
         </p:blipFill>
         <p:spPr>
           <a:xfrm>
-            <a:off x="6631305" y="5036465"/>
+            <a:off x="6661829" y="5334711"/>
             <a:ext cx="3492205" cy="1071730"/>
           </a:xfrm>
           <a:prstGeom prst="rect">
@@ -16023,7 +16183,7 @@
         </p:nvSpPr>
         <p:spPr>
           <a:xfrm>
-            <a:off x="1351643" y="5218387"/>
+            <a:off x="1283599" y="2570105"/>
             <a:ext cx="4053407" cy="707886"/>
           </a:xfrm>
           <a:prstGeom prst="rect">
@@ -16124,7 +16284,7 @@
             <a:pPr algn="ctr"/>
             <a:r>
               <a:rPr lang="en-US" dirty="0"/>
-              <a:t>How do we classify posted questions on Quora as sincere vs insincere question with high accuracy, so any future Quora posting can be moderated without any manual intervention?</a:t>
+              <a:t>How do we classify posted questions on Quora as sincere vs insincere with high accuracy, so any future Quora posting can be moderated without any manual moderator intervention?</a:t>
             </a:r>
           </a:p>
         </p:txBody>
@@ -16971,7 +17131,7 @@
           <a:p>
             <a:r>
               <a:rPr lang="en-US" sz="1200" b="1" dirty="0"/>
-              <a:t>Data</a:t>
+              <a:t>Cleansed Data</a:t>
             </a:r>
             <a:r>
               <a:rPr lang="en-US" sz="1200" dirty="0"/>
@@ -17994,7 +18154,7 @@
         </p:nvSpPr>
         <p:spPr>
           <a:xfrm>
-            <a:off x="4934976" y="767954"/>
+            <a:off x="5049475" y="759000"/>
             <a:ext cx="7142525" cy="3695100"/>
           </a:xfrm>
           <a:prstGeom prst="rect">
@@ -18710,7 +18870,7 @@
             </a:pPr>
             <a:r>
               <a:rPr lang="en-US" sz="2400" dirty="0"/>
-              <a:t>This step includes text data preprocessing</a:t>
+              <a:t>This step includes text data preprocessing.</a:t>
             </a:r>
           </a:p>
         </p:txBody>
@@ -18810,7 +18970,7 @@
         </p:nvSpPr>
         <p:spPr>
           <a:xfrm>
-            <a:off x="5617979" y="877351"/>
+            <a:off x="5639244" y="590844"/>
             <a:ext cx="6098796" cy="400110"/>
           </a:xfrm>
           <a:prstGeom prst="rect">
@@ -19018,8 +19178,8 @@
         </p:nvSpPr>
         <p:spPr>
           <a:xfrm>
-            <a:off x="7800363" y="4664694"/>
-            <a:ext cx="4390239" cy="1736521"/>
+            <a:off x="7800363" y="4632795"/>
+            <a:ext cx="4390239" cy="2193306"/>
           </a:xfrm>
           <a:prstGeom prst="cloud">
             <a:avLst/>
@@ -19061,7 +19221,7 @@
                 <a:ea typeface="Calibri" panose="020F0502020204030204" pitchFamily="34" charset="0"/>
                 <a:cs typeface="Times New Roman" panose="02020603050405020304" pitchFamily="18" charset="0"/>
               </a:rPr>
-              <a:t>nsincere questions have more number of words as well as characters/ question length compared to sincere questions </a:t>
+              <a:t>nsincere questions have more number of words as well as characters/ question length compared to sincere questions (maybe since they have more junk content..)</a:t>
             </a:r>
             <a:endParaRPr lang="en-US" dirty="0"/>
           </a:p>
@@ -19081,7 +19241,7 @@
         </p:nvSpPr>
         <p:spPr>
           <a:xfrm>
-            <a:off x="6096000" y="827851"/>
+            <a:off x="6096000" y="577102"/>
             <a:ext cx="6094602" cy="400110"/>
           </a:xfrm>
           <a:prstGeom prst="rect">
@@ -19260,7 +19420,7 @@
         </p:blipFill>
         <p:spPr bwMode="auto">
           <a:xfrm>
-            <a:off x="-96797" y="2034330"/>
+            <a:off x="0" y="1975608"/>
             <a:ext cx="4100255" cy="2382474"/>
           </a:xfrm>
           <a:prstGeom prst="rect">
@@ -19338,7 +19498,7 @@
         </p:blipFill>
         <p:spPr bwMode="auto">
           <a:xfrm>
-            <a:off x="3693116" y="2592198"/>
+            <a:off x="3853276" y="2704940"/>
             <a:ext cx="4100255" cy="3729164"/>
           </a:xfrm>
           <a:prstGeom prst="rect">
@@ -19394,7 +19554,15 @@
             <a:pPr algn="ctr"/>
             <a:r>
               <a:rPr lang="en-US" dirty="0"/>
-              <a:t>Is there a widespread discrimination and non neutrality in the tone of questions? </a:t>
+              <a:t>Is there a widespread discrimination and non neutrality in the tone of questions posted on </a:t>
+            </a:r>
+            <a:r>
+              <a:rPr lang="en-US" dirty="0" err="1"/>
+              <a:t>quora</a:t>
+            </a:r>
+            <a:r>
+              <a:rPr lang="en-US" dirty="0"/>
+              <a:t>? </a:t>
             </a:r>
           </a:p>
         </p:txBody>
@@ -19485,7 +19653,7 @@
         </p:nvSpPr>
         <p:spPr>
           <a:xfrm>
-            <a:off x="3926048" y="3095538"/>
+            <a:off x="3948022" y="3168942"/>
             <a:ext cx="2516697" cy="260058"/>
           </a:xfrm>
           <a:prstGeom prst="ellipse">

--- a/Capstone Two/reports/Capstone_Presentation.pptx
+++ b/Capstone Two/reports/Capstone_Presentation.pptx
@@ -118,6 +118,11 @@
       </a:defRPr>
     </a:lvl9pPr>
   </p:defaultTextStyle>
+  <p:extLst>
+    <p:ext uri="{EFAFB233-063F-42B5-8137-9DF3F51BA10A}">
+      <p15:sldGuideLst xmlns:p15="http://schemas.microsoft.com/office/powerpoint/2012/main"/>
+    </p:ext>
+  </p:extLst>
 </p:presentation>
 </file>
 
@@ -11686,8 +11691,8 @@
         </p:nvSpPr>
         <p:spPr>
           <a:xfrm>
-            <a:off x="6252944" y="269343"/>
-            <a:ext cx="5673556" cy="1945351"/>
+            <a:off x="6252944" y="288393"/>
+            <a:ext cx="5673556" cy="1737481"/>
           </a:xfrm>
           <a:prstGeom prst="rect">
             <a:avLst/>
@@ -11713,15 +11718,10 @@
           <a:bodyPr rtlCol="0" anchor="ctr"/>
           <a:lstStyle/>
           <a:p>
-            <a:pPr algn="l"/>
-            <a:r>
-              <a:rPr lang="en-US" sz="1600" dirty="0">
-                <a:solidFill>
-                  <a:schemeClr val="bg1"/>
-                </a:solidFill>
-              </a:rPr>
-              <a:t>Since we want to </a:t>
-            </a:r>
+            <a:pPr marL="285750" indent="-285750">
+              <a:buFont typeface="Arial" panose="020B0604020202020204" pitchFamily="34" charset="0"/>
+              <a:buChar char="•"/>
+            </a:pPr>
             <a:r>
               <a:rPr lang="en-US" sz="1600" b="0" i="0" dirty="0">
                 <a:solidFill>
@@ -11729,35 +11729,14 @@
                 </a:solidFill>
                 <a:effectLst/>
               </a:rPr>
-              <a:t>weed out insincere questions from Insincere questions, weighted f1 score is important</a:t>
-            </a:r>
-          </a:p>
-          <a:p>
-            <a:pPr marL="742950" lvl="1" indent="-285750" algn="l">
+              <a:t>It is important to flag insincere questions and at the same time, not flag sincere questions, hence weighted f1 score is important.</a:t>
+            </a:r>
+          </a:p>
+          <a:p>
+            <a:pPr marL="285750" indent="-285750">
               <a:buFont typeface="Arial" panose="020B0604020202020204" pitchFamily="34" charset="0"/>
               <a:buChar char="•"/>
             </a:pPr>
-            <a:r>
-              <a:rPr lang="en-US" sz="1600" b="1" i="0" dirty="0">
-                <a:solidFill>
-                  <a:schemeClr val="bg1"/>
-                </a:solidFill>
-                <a:effectLst/>
-              </a:rPr>
-              <a:t>Reason</a:t>
-            </a:r>
-            <a:r>
-              <a:rPr lang="en-US" sz="1600" b="0" i="0" dirty="0">
-                <a:solidFill>
-                  <a:schemeClr val="bg1"/>
-                </a:solidFill>
-                <a:effectLst/>
-              </a:rPr>
-              <a:t> - It is important to flag insincere questions and at the same time, not flag sincere questions.</a:t>
-            </a:r>
-          </a:p>
-          <a:p>
-            <a:pPr algn="l"/>
             <a:r>
               <a:rPr lang="en-US" sz="1600" b="0" i="0" dirty="0">
                 <a:solidFill>
@@ -12175,7 +12154,7 @@
                 <a:effectLst/>
                 <a:latin typeface="Helvetica Neue"/>
               </a:rPr>
-              <a:t> had best ROC AUC score and weighted f1score</a:t>
+              <a:t> had best ROC AUC score and weighted f1score.</a:t>
             </a:r>
           </a:p>
           <a:p>
@@ -12190,7 +12169,7 @@
                 </a:solidFill>
                 <a:latin typeface="Helvetica Neue"/>
               </a:rPr>
-              <a:t>Despite higher training time, Hyperparameter tuning is applied to </a:t>
+              <a:t>Despite higher training time, </a:t>
             </a:r>
             <a:r>
               <a:rPr lang="en-US" sz="1600" b="1" dirty="0">
@@ -12199,17 +12178,16 @@
                 </a:solidFill>
                 <a:latin typeface="Helvetica Neue"/>
               </a:rPr>
-              <a:t>Random forest model</a:t>
-            </a:r>
-            <a:r>
-              <a:rPr lang="en-US" sz="1600" b="1" i="0" dirty="0">
+              <a:t>Random forest model </a:t>
+            </a:r>
+            <a:r>
+              <a:rPr lang="en-US" sz="1600" dirty="0">
                 <a:solidFill>
                   <a:schemeClr val="bg1"/>
                 </a:solidFill>
-                <a:effectLst/>
                 <a:latin typeface="Helvetica Neue"/>
               </a:rPr>
-              <a:t> </a:t>
+              <a:t>is the chosen model over which Hyperparameter tuning </a:t>
             </a:r>
             <a:r>
               <a:rPr lang="en-US" sz="1600" b="0" i="0" dirty="0">
@@ -12219,8 +12197,24 @@
                 <a:effectLst/>
                 <a:latin typeface="Helvetica Neue"/>
               </a:rPr>
-              <a:t>using Grid Search Cross validation</a:t>
-            </a:r>
+              <a:t>using Grid Search Cross validation </a:t>
+            </a:r>
+            <a:r>
+              <a:rPr lang="en-US" sz="1600" dirty="0">
+                <a:solidFill>
+                  <a:schemeClr val="bg1"/>
+                </a:solidFill>
+                <a:latin typeface="Helvetica Neue"/>
+              </a:rPr>
+              <a:t>is applied.</a:t>
+            </a:r>
+            <a:endParaRPr lang="en-US" sz="1600" b="0" i="0" dirty="0">
+              <a:solidFill>
+                <a:schemeClr val="bg1"/>
+              </a:solidFill>
+              <a:effectLst/>
+              <a:latin typeface="Helvetica Neue"/>
+            </a:endParaRPr>
           </a:p>
         </p:txBody>
       </p:sp>
@@ -12782,7 +12776,7 @@
         </p:blipFill>
         <p:spPr>
           <a:xfrm>
-            <a:off x="91580" y="1176849"/>
+            <a:off x="91580" y="700599"/>
             <a:ext cx="4905699" cy="4905699"/>
           </a:xfrm>
           <a:prstGeom prst="rect">
@@ -18922,6 +18916,21 @@
               </a:spcBef>
             </a:pPr>
             <a:r>
+              <a:rPr lang="en-US" sz="1800" b="1" dirty="0"/>
+              <a:t>Raw data – </a:t>
+            </a:r>
+            <a:r>
+              <a:rPr lang="en-US" sz="1800" dirty="0"/>
+              <a:t>~1424K questions</a:t>
+            </a:r>
+          </a:p>
+          <a:p>
+            <a:pPr algn="ctr">
+              <a:spcBef>
+                <a:spcPts val="0"/>
+              </a:spcBef>
+            </a:pPr>
+            <a:r>
               <a:rPr lang="en-US" sz="1800" dirty="0"/>
               <a:t>Only csv data is used for this project. Word embeddings are not utilized</a:t>
             </a:r>
@@ -19053,6 +19062,115 @@
               <a:rPr lang="en-US" b="1" dirty="0"/>
               <a:t>Data Wrangling</a:t>
             </a:r>
+          </a:p>
+        </p:txBody>
+      </p:sp>
+      <p:sp>
+        <p:nvSpPr>
+          <p:cNvPr id="10" name="Rectangle 9">
+            <a:extLst>
+              <a:ext uri="{FF2B5EF4-FFF2-40B4-BE49-F238E27FC236}">
+                <a16:creationId xmlns:a16="http://schemas.microsoft.com/office/drawing/2014/main" id="{C1EB9A9F-D227-4FC4-9651-431CC9CEF8D0}"/>
+              </a:ext>
+            </a:extLst>
+          </p:cNvPr>
+          <p:cNvSpPr/>
+          <p:nvPr/>
+        </p:nvSpPr>
+        <p:spPr>
+          <a:xfrm>
+            <a:off x="189999" y="5991225"/>
+            <a:ext cx="3913348" cy="742613"/>
+          </a:xfrm>
+          <a:prstGeom prst="rect">
+            <a:avLst/>
+          </a:prstGeom>
+        </p:spPr>
+        <p:style>
+          <a:lnRef idx="2">
+            <a:schemeClr val="accent1">
+              <a:shade val="50000"/>
+            </a:schemeClr>
+          </a:lnRef>
+          <a:fillRef idx="1">
+            <a:schemeClr val="accent1"/>
+          </a:fillRef>
+          <a:effectRef idx="0">
+            <a:schemeClr val="accent1"/>
+          </a:effectRef>
+          <a:fontRef idx="minor">
+            <a:schemeClr val="lt1"/>
+          </a:fontRef>
+        </p:style>
+        <p:txBody>
+          <a:bodyPr rtlCol="0" anchor="ctr"/>
+          <a:lstStyle/>
+          <a:p>
+            <a:pPr algn="ctr">
+              <a:spcBef>
+                <a:spcPts val="0"/>
+              </a:spcBef>
+            </a:pPr>
+            <a:r>
+              <a:rPr lang="en-US" sz="1800" b="1" dirty="0"/>
+              <a:t>Cleaned data -</a:t>
+            </a:r>
+            <a:r>
+              <a:rPr lang="en-US" sz="1800" dirty="0"/>
+              <a:t> ~1024K questions</a:t>
+            </a:r>
+          </a:p>
+        </p:txBody>
+      </p:sp>
+      <p:sp>
+        <p:nvSpPr>
+          <p:cNvPr id="11" name="Arrow: Right 10">
+            <a:extLst>
+              <a:ext uri="{FF2B5EF4-FFF2-40B4-BE49-F238E27FC236}">
+                <a16:creationId xmlns:a16="http://schemas.microsoft.com/office/drawing/2014/main" id="{1F3A50BC-7B21-4FC5-8B53-87C60BD76400}"/>
+              </a:ext>
+            </a:extLst>
+          </p:cNvPr>
+          <p:cNvSpPr/>
+          <p:nvPr/>
+        </p:nvSpPr>
+        <p:spPr>
+          <a:xfrm rot="5400000">
+            <a:off x="1674457" y="5370157"/>
+            <a:ext cx="943310" cy="298826"/>
+          </a:xfrm>
+          <a:prstGeom prst="rightArrow">
+            <a:avLst/>
+          </a:prstGeom>
+          <a:solidFill>
+            <a:schemeClr val="accent4">
+              <a:lumMod val="60000"/>
+              <a:lumOff val="40000"/>
+            </a:schemeClr>
+          </a:solidFill>
+        </p:spPr>
+        <p:style>
+          <a:lnRef idx="2">
+            <a:schemeClr val="accent1">
+              <a:shade val="50000"/>
+            </a:schemeClr>
+          </a:lnRef>
+          <a:fillRef idx="1">
+            <a:schemeClr val="accent1"/>
+          </a:fillRef>
+          <a:effectRef idx="0">
+            <a:schemeClr val="accent1"/>
+          </a:effectRef>
+          <a:fontRef idx="minor">
+            <a:schemeClr val="lt1"/>
+          </a:fontRef>
+        </p:style>
+        <p:txBody>
+          <a:bodyPr rtlCol="0" anchor="ctr"/>
+          <a:lstStyle/>
+          <a:p>
+            <a:pPr algn="ctr"/>
+            <a:endParaRPr lang="en-US"/>
           </a:p>
         </p:txBody>
       </p:sp>
@@ -21119,6 +21237,62 @@
               <a:rPr lang="en-US" b="1" dirty="0"/>
               <a:t>Feature Engineering</a:t>
             </a:r>
+          </a:p>
+        </p:txBody>
+      </p:sp>
+      <p:sp>
+        <p:nvSpPr>
+          <p:cNvPr id="19" name="TextBox 18">
+            <a:extLst>
+              <a:ext uri="{FF2B5EF4-FFF2-40B4-BE49-F238E27FC236}">
+                <a16:creationId xmlns:a16="http://schemas.microsoft.com/office/drawing/2014/main" id="{96F1A5BE-4F0C-419F-B6F1-09739250EF86}"/>
+              </a:ext>
+            </a:extLst>
+          </p:cNvPr>
+          <p:cNvSpPr txBox="1"/>
+          <p:nvPr/>
+        </p:nvSpPr>
+        <p:spPr>
+          <a:xfrm>
+            <a:off x="253359" y="4329160"/>
+            <a:ext cx="1292603" cy="281231"/>
+          </a:xfrm>
+          <a:prstGeom prst="rect">
+            <a:avLst/>
+          </a:prstGeom>
+          <a:noFill/>
+        </p:spPr>
+        <p:txBody>
+          <a:bodyPr wrap="square">
+            <a:spAutoFit/>
+          </a:bodyPr>
+          <a:lstStyle/>
+          <a:p>
+            <a:pPr marL="0" marR="0" algn="ctr">
+              <a:lnSpc>
+                <a:spcPct val="107000"/>
+              </a:lnSpc>
+              <a:spcBef>
+                <a:spcPts val="0"/>
+              </a:spcBef>
+              <a:spcAft>
+                <a:spcPts val="800"/>
+              </a:spcAft>
+            </a:pPr>
+            <a:r>
+              <a:rPr lang="en-US" sz="1200" b="1" dirty="0">
+                <a:latin typeface="Calibri" panose="020F0502020204030204" pitchFamily="34" charset="0"/>
+                <a:ea typeface="Calibri" panose="020F0502020204030204" pitchFamily="34" charset="0"/>
+                <a:cs typeface="Times New Roman" panose="02020603050405020304" pitchFamily="18" charset="0"/>
+              </a:rPr>
+              <a:t>Scaling</a:t>
+            </a:r>
+            <a:endParaRPr lang="en-US" sz="1200" dirty="0">
+              <a:effectLst/>
+              <a:latin typeface="Calibri" panose="020F0502020204030204" pitchFamily="34" charset="0"/>
+              <a:ea typeface="Calibri" panose="020F0502020204030204" pitchFamily="34" charset="0"/>
+              <a:cs typeface="Times New Roman" panose="02020603050405020304" pitchFamily="18" charset="0"/>
+            </a:endParaRPr>
           </a:p>
         </p:txBody>
       </p:sp>

--- a/Capstone Two/reports/Capstone_Presentation.pptx
+++ b/Capstone Two/reports/Capstone_Presentation.pptx
@@ -2885,7 +2885,7 @@
         <a:p>
           <a:r>
             <a:rPr lang="en-US" dirty="0"/>
-            <a:t>Independent Variables (applied unigram)</a:t>
+            <a:t>Independent Variables (question text’s unigram)</a:t>
           </a:r>
         </a:p>
       </dgm:t>
@@ -3629,8 +3629,8 @@
       </dsp:nvSpPr>
       <dsp:spPr>
         <a:xfrm>
-          <a:off x="108919" y="0"/>
-          <a:ext cx="4126470" cy="2151776"/>
+          <a:off x="101681" y="0"/>
+          <a:ext cx="3852273" cy="2151776"/>
         </a:xfrm>
         <a:prstGeom prst="rightArrow">
           <a:avLst/>
@@ -3669,8 +3669,8 @@
       </dsp:nvSpPr>
       <dsp:spPr>
         <a:xfrm>
-          <a:off x="389554" y="645532"/>
-          <a:ext cx="2305968" cy="860710"/>
+          <a:off x="109737" y="645532"/>
+          <a:ext cx="2450158" cy="860710"/>
         </a:xfrm>
         <a:prstGeom prst="roundRect">
           <a:avLst/>
@@ -3712,12 +3712,12 @@
         </a:fontRef>
       </dsp:style>
       <dsp:txBody>
-        <a:bodyPr spcFirstLastPara="0" vert="horz" wrap="square" lIns="38100" tIns="38100" rIns="38100" bIns="38100" numCol="1" spcCol="1270" anchor="t" anchorCtr="0">
+        <a:bodyPr spcFirstLastPara="0" vert="horz" wrap="square" lIns="34290" tIns="34290" rIns="34290" bIns="34290" numCol="1" spcCol="1270" anchor="t" anchorCtr="0">
           <a:noAutofit/>
         </a:bodyPr>
         <a:lstStyle/>
         <a:p>
-          <a:pPr marL="0" lvl="0" indent="0" algn="l" defTabSz="444500">
+          <a:pPr marL="0" lvl="0" indent="0" algn="l" defTabSz="400050">
             <a:lnSpc>
               <a:spcPct val="90000"/>
             </a:lnSpc>
@@ -3730,12 +3730,12 @@
             <a:buNone/>
           </a:pPr>
           <a:r>
-            <a:rPr lang="en-US" sz="1000" kern="1200" dirty="0"/>
-            <a:t>Independent Variables (applied unigram)</a:t>
+            <a:rPr lang="en-US" sz="900" kern="1200" dirty="0"/>
+            <a:t>Independent Variables (question text’s unigram)</a:t>
           </a:r>
         </a:p>
         <a:p>
-          <a:pPr marL="57150" lvl="1" indent="-57150" algn="l" defTabSz="355600">
+          <a:pPr marL="57150" lvl="1" indent="-57150" algn="l" defTabSz="311150">
             <a:lnSpc>
               <a:spcPct val="90000"/>
             </a:lnSpc>
@@ -3748,12 +3748,12 @@
             <a:buChar char="•"/>
           </a:pPr>
           <a:r>
-            <a:rPr lang="en-US" sz="800" kern="1200" dirty="0"/>
+            <a:rPr lang="en-US" sz="700" kern="1200" dirty="0"/>
             <a:t>Categorical variable 1</a:t>
           </a:r>
         </a:p>
         <a:p>
-          <a:pPr marL="57150" lvl="1" indent="-57150" algn="l" defTabSz="355600">
+          <a:pPr marL="57150" lvl="1" indent="-57150" algn="l" defTabSz="311150">
             <a:lnSpc>
               <a:spcPct val="90000"/>
             </a:lnSpc>
@@ -3766,12 +3766,12 @@
             <a:buChar char="•"/>
           </a:pPr>
           <a:r>
-            <a:rPr lang="en-US" sz="800" kern="1200" dirty="0"/>
+            <a:rPr lang="en-US" sz="700" kern="1200" dirty="0"/>
             <a:t>Categorical variable 2</a:t>
           </a:r>
         </a:p>
         <a:p>
-          <a:pPr marL="57150" lvl="1" indent="-57150" algn="l" defTabSz="355600">
+          <a:pPr marL="57150" lvl="1" indent="-57150" algn="l" defTabSz="311150">
             <a:lnSpc>
               <a:spcPct val="90000"/>
             </a:lnSpc>
@@ -3784,12 +3784,12 @@
             <a:buChar char="•"/>
           </a:pPr>
           <a:r>
-            <a:rPr lang="en-US" sz="800" kern="1200" dirty="0"/>
+            <a:rPr lang="en-US" sz="700" kern="1200" dirty="0"/>
             <a:t>….</a:t>
           </a:r>
         </a:p>
         <a:p>
-          <a:pPr marL="57150" lvl="1" indent="-57150" algn="l" defTabSz="355600">
+          <a:pPr marL="57150" lvl="1" indent="-57150" algn="l" defTabSz="311150">
             <a:lnSpc>
               <a:spcPct val="90000"/>
             </a:lnSpc>
@@ -3802,14 +3802,14 @@
             <a:buChar char="•"/>
           </a:pPr>
           <a:r>
-            <a:rPr lang="en-US" sz="800" kern="1200" dirty="0"/>
+            <a:rPr lang="en-US" sz="700" kern="1200" dirty="0"/>
             <a:t>Categorical variable 200</a:t>
           </a:r>
         </a:p>
       </dsp:txBody>
       <dsp:txXfrm>
-        <a:off x="431570" y="687548"/>
-        <a:ext cx="2221936" cy="776678"/>
+        <a:off x="151753" y="687548"/>
+        <a:ext cx="2366126" cy="776678"/>
       </dsp:txXfrm>
     </dsp:sp>
     <dsp:sp modelId="{CDE5CF27-AE9A-439F-8DF4-F860F5E7B4AF}">
@@ -3819,8 +3819,8 @@
       </dsp:nvSpPr>
       <dsp:spPr>
         <a:xfrm>
-          <a:off x="2833482" y="645532"/>
-          <a:ext cx="1631634" cy="860710"/>
+          <a:off x="2688689" y="645532"/>
+          <a:ext cx="1733658" cy="860710"/>
         </a:xfrm>
         <a:prstGeom prst="roundRect">
           <a:avLst/>
@@ -3862,12 +3862,12 @@
         </a:fontRef>
       </dsp:style>
       <dsp:txBody>
-        <a:bodyPr spcFirstLastPara="0" vert="horz" wrap="square" lIns="38100" tIns="38100" rIns="38100" bIns="38100" numCol="1" spcCol="1270" anchor="t" anchorCtr="0">
+        <a:bodyPr spcFirstLastPara="0" vert="horz" wrap="square" lIns="34290" tIns="34290" rIns="34290" bIns="34290" numCol="1" spcCol="1270" anchor="t" anchorCtr="0">
           <a:noAutofit/>
         </a:bodyPr>
         <a:lstStyle/>
         <a:p>
-          <a:pPr marL="0" lvl="0" indent="0" algn="l" defTabSz="444500">
+          <a:pPr marL="0" lvl="0" indent="0" algn="l" defTabSz="400050">
             <a:lnSpc>
               <a:spcPct val="90000"/>
             </a:lnSpc>
@@ -3880,12 +3880,12 @@
             <a:buNone/>
           </a:pPr>
           <a:r>
-            <a:rPr lang="en-US" sz="1000" kern="1200" dirty="0"/>
+            <a:rPr lang="en-US" sz="900" kern="1200" dirty="0"/>
             <a:t>Dependent Variable</a:t>
           </a:r>
         </a:p>
         <a:p>
-          <a:pPr marL="57150" lvl="1" indent="-57150" algn="l" defTabSz="355600">
+          <a:pPr marL="57150" lvl="1" indent="-57150" algn="l" defTabSz="311150">
             <a:lnSpc>
               <a:spcPct val="90000"/>
             </a:lnSpc>
@@ -3898,14 +3898,14 @@
             <a:buChar char="•"/>
           </a:pPr>
           <a:r>
-            <a:rPr lang="en-US" sz="800" kern="1200" dirty="0"/>
+            <a:rPr lang="en-US" sz="700" kern="1200" dirty="0"/>
             <a:t>Target : 1 (Insincere questions, 0: Sincere Questions)</a:t>
           </a:r>
         </a:p>
       </dsp:txBody>
       <dsp:txXfrm>
-        <a:off x="2875498" y="687548"/>
-        <a:ext cx="1547602" cy="776678"/>
+        <a:off x="2730705" y="687548"/>
+        <a:ext cx="1649626" cy="776678"/>
       </dsp:txXfrm>
     </dsp:sp>
   </dsp:spTree>
@@ -11173,7 +11173,7 @@
                   <a:schemeClr val="tx1"/>
                 </a:solidFill>
               </a:rPr>
-              <a:t>717K training dataset, 307K test dataset</a:t>
+              <a:t>~717K training dataset, ~307K test dataset</a:t>
             </a:r>
           </a:p>
         </p:txBody>
@@ -11384,7 +11384,7 @@
         <p:spPr>
           <a:xfrm>
             <a:off x="8607103" y="1685135"/>
-            <a:ext cx="3081557" cy="3005362"/>
+            <a:ext cx="3508697" cy="3005362"/>
           </a:xfrm>
           <a:prstGeom prst="rect">
             <a:avLst/>
@@ -11484,10 +11484,10 @@
             <a:r>
               <a:rPr lang="en-US" dirty="0">
                 <a:solidFill>
-                  <a:schemeClr val="tx1"/>
+                  <a:srgbClr val="FF0000"/>
                 </a:solidFill>
               </a:rPr>
-              <a:t>K-nearest neighbors </a:t>
+              <a:t>K-nearest neighbors (stalled due to high time complexity)</a:t>
             </a:r>
           </a:p>
           <a:p>
@@ -11585,6 +11585,47 @@
               <a:t>This is a classification problem since we want to weed out insincere questions from sincere questions</a:t>
             </a:r>
             <a:endParaRPr lang="en-US" sz="1800" dirty="0"/>
+          </a:p>
+        </p:txBody>
+      </p:sp>
+      <p:sp>
+        <p:nvSpPr>
+          <p:cNvPr id="14" name="TextBox 13">
+            <a:extLst>
+              <a:ext uri="{FF2B5EF4-FFF2-40B4-BE49-F238E27FC236}">
+                <a16:creationId xmlns:a16="http://schemas.microsoft.com/office/drawing/2014/main" id="{E6A3F235-9E31-49EC-A8CB-E3C1BB768F09}"/>
+              </a:ext>
+            </a:extLst>
+          </p:cNvPr>
+          <p:cNvSpPr txBox="1"/>
+          <p:nvPr/>
+        </p:nvSpPr>
+        <p:spPr>
+          <a:xfrm>
+            <a:off x="7060535" y="590844"/>
+            <a:ext cx="4865965" cy="400110"/>
+          </a:xfrm>
+          <a:prstGeom prst="rect">
+            <a:avLst/>
+          </a:prstGeom>
+          <a:noFill/>
+        </p:spPr>
+        <p:txBody>
+          <a:bodyPr wrap="square">
+            <a:spAutoFit/>
+          </a:bodyPr>
+          <a:lstStyle/>
+          <a:p>
+            <a:r>
+              <a:rPr lang="en-US" sz="1000" dirty="0">
+                <a:hlinkClick r:id="rId2"/>
+              </a:rPr>
+              <a:t>https://github.com/shalin4788/Springboard/blob/master/Capstone%20Two/notebooks/4.%20Quora%20Insincere%20Classification%20-%20Modeling%20Step.ipynb</a:t>
+            </a:r>
+            <a:r>
+              <a:rPr lang="en-US" sz="1000" dirty="0"/>
+              <a:t> </a:t>
+            </a:r>
           </a:p>
         </p:txBody>
       </p:sp>
@@ -12206,7 +12247,7 @@
                 </a:solidFill>
                 <a:latin typeface="Helvetica Neue"/>
               </a:rPr>
-              <a:t>is applied.</a:t>
+              <a:t>is applied and is expected to yield better scores.</a:t>
             </a:r>
             <a:endParaRPr lang="en-US" sz="1600" b="0" i="0" dirty="0">
               <a:solidFill>
@@ -14063,8 +14104,8 @@
         </p:nvSpPr>
         <p:spPr>
           <a:xfrm>
-            <a:off x="1393070" y="6211211"/>
-            <a:ext cx="9441505" cy="572216"/>
+            <a:off x="916820" y="6211211"/>
+            <a:ext cx="10379830" cy="572216"/>
           </a:xfrm>
           <a:prstGeom prst="rect">
             <a:avLst/>
@@ -14114,7 +14155,7 @@
                   <a:schemeClr val="bg1"/>
                 </a:solidFill>
               </a:rPr>
-              <a:t>The prediction time on unseen test data also fell down to 1.67 seconds</a:t>
+              <a:t>The prediction time on unseen test data also fell down to 1.67 seconds compared to 2.1 seconds on validation dataset</a:t>
             </a:r>
             <a:endParaRPr lang="en-US" sz="1600" i="0" dirty="0">
               <a:solidFill>
@@ -18644,11 +18685,37 @@
               </a:rPr>
               <a:t> small text length</a:t>
             </a:r>
-            <a:endParaRPr lang="en-US" sz="1600" dirty="0">
-              <a:latin typeface="Calibri" panose="020F0502020204030204" pitchFamily="34" charset="0"/>
-              <a:ea typeface="Calibri" panose="020F0502020204030204" pitchFamily="34" charset="0"/>
-              <a:cs typeface="Times New Roman" panose="02020603050405020304" pitchFamily="18" charset="0"/>
-            </a:endParaRPr>
+          </a:p>
+          <a:p>
+            <a:pPr marL="342900" marR="0" lvl="0" indent="-342900">
+              <a:lnSpc>
+                <a:spcPct val="107000"/>
+              </a:lnSpc>
+              <a:spcBef>
+                <a:spcPts val="0"/>
+              </a:spcBef>
+              <a:spcAft>
+                <a:spcPts val="0"/>
+              </a:spcAft>
+              <a:buFont typeface="Calibri" panose="020F0502020204030204" pitchFamily="34" charset="0"/>
+              <a:buChar char="-"/>
+            </a:pPr>
+            <a:r>
+              <a:rPr lang="en-US" sz="1600" b="1" dirty="0">
+                <a:latin typeface="Calibri" panose="020F0502020204030204" pitchFamily="34" charset="0"/>
+                <a:ea typeface="Calibri" panose="020F0502020204030204" pitchFamily="34" charset="0"/>
+                <a:cs typeface="Times New Roman" panose="02020603050405020304" pitchFamily="18" charset="0"/>
+              </a:rPr>
+              <a:t>New column(s) creation </a:t>
+            </a:r>
+            <a:r>
+              <a:rPr lang="en-US" sz="1600" dirty="0">
+                <a:latin typeface="Calibri" panose="020F0502020204030204" pitchFamily="34" charset="0"/>
+                <a:ea typeface="Calibri" panose="020F0502020204030204" pitchFamily="34" charset="0"/>
+                <a:cs typeface="Times New Roman" panose="02020603050405020304" pitchFamily="18" charset="0"/>
+              </a:rPr>
+              <a:t>for EDA</a:t>
+            </a:r>
           </a:p>
         </p:txBody>
       </p:sp>
@@ -18916,11 +18983,11 @@
               </a:spcBef>
             </a:pPr>
             <a:r>
-              <a:rPr lang="en-US" sz="1800" b="1" dirty="0"/>
+              <a:rPr lang="en-US" sz="1600" b="1" dirty="0"/>
               <a:t>Raw data – </a:t>
             </a:r>
             <a:r>
-              <a:rPr lang="en-US" sz="1800" dirty="0"/>
+              <a:rPr lang="en-US" sz="1600" dirty="0"/>
               <a:t>~1424K questions</a:t>
             </a:r>
           </a:p>
@@ -18931,7 +18998,7 @@
               </a:spcBef>
             </a:pPr>
             <a:r>
-              <a:rPr lang="en-US" sz="1800" dirty="0"/>
+              <a:rPr lang="en-US" sz="1600" dirty="0"/>
               <a:t>Only csv data is used for this project. Word embeddings are not utilized</a:t>
             </a:r>
           </a:p>
@@ -19022,8 +19089,8 @@
         </p:nvSpPr>
         <p:spPr>
           <a:xfrm>
-            <a:off x="265500" y="404949"/>
-            <a:ext cx="4045200" cy="771900"/>
+            <a:off x="265499" y="404949"/>
+            <a:ext cx="4330015" cy="771900"/>
           </a:xfrm>
           <a:prstGeom prst="rect">
             <a:avLst/>
@@ -19060,7 +19127,7 @@
             </a:pPr>
             <a:r>
               <a:rPr lang="en-US" b="1" dirty="0"/>
-              <a:t>Data Wrangling</a:t>
+              <a:t>1. Data Wrangling</a:t>
             </a:r>
           </a:p>
         </p:txBody>
@@ -19112,11 +19179,11 @@
               </a:spcBef>
             </a:pPr>
             <a:r>
-              <a:rPr lang="en-US" sz="1800" b="1" dirty="0"/>
+              <a:rPr lang="en-US" sz="1600" b="1" dirty="0"/>
               <a:t>Cleaned data -</a:t>
             </a:r>
             <a:r>
-              <a:rPr lang="en-US" sz="1800" dirty="0"/>
+              <a:rPr lang="en-US" sz="1600" dirty="0"/>
               <a:t> ~1024K questions</a:t>
             </a:r>
           </a:p>
@@ -19296,7 +19363,7 @@
         </p:nvSpPr>
         <p:spPr>
           <a:xfrm>
-            <a:off x="7800363" y="4632795"/>
+            <a:off x="7818895" y="4636119"/>
             <a:ext cx="4390239" cy="2193306"/>
           </a:xfrm>
           <a:prstGeom prst="cloud">
@@ -19325,7 +19392,7 @@
           <a:p>
             <a:pPr algn="ctr"/>
             <a:r>
-              <a:rPr lang="en-US" dirty="0">
+              <a:rPr lang="en-US" sz="1600" dirty="0">
                 <a:latin typeface="Calibri" panose="020F0502020204030204" pitchFamily="34" charset="0"/>
                 <a:ea typeface="Calibri" panose="020F0502020204030204" pitchFamily="34" charset="0"/>
                 <a:cs typeface="Times New Roman" panose="02020603050405020304" pitchFamily="18" charset="0"/>
@@ -19333,7 +19400,7 @@
               <a:t>I</a:t>
             </a:r>
             <a:r>
-              <a:rPr lang="en-US" sz="1800" dirty="0">
+              <a:rPr lang="en-US" sz="1600" dirty="0">
                 <a:effectLst/>
                 <a:latin typeface="Calibri" panose="020F0502020204030204" pitchFamily="34" charset="0"/>
                 <a:ea typeface="Calibri" panose="020F0502020204030204" pitchFamily="34" charset="0"/>
@@ -19341,7 +19408,7 @@
               </a:rPr>
               <a:t>nsincere questions have more number of words as well as characters/ question length compared to sincere questions (maybe since they have more junk content..)</a:t>
             </a:r>
-            <a:endParaRPr lang="en-US" dirty="0"/>
+            <a:endParaRPr lang="en-US" sz="1600" dirty="0"/>
           </a:p>
         </p:txBody>
       </p:sp>
@@ -19403,7 +19470,7 @@
         <p:spPr>
           <a:xfrm>
             <a:off x="265499" y="404949"/>
-            <a:ext cx="5473399" cy="771900"/>
+            <a:ext cx="5725726" cy="771900"/>
           </a:xfrm>
           <a:prstGeom prst="rect">
             <a:avLst/>
@@ -19440,7 +19507,7 @@
             </a:pPr>
             <a:r>
               <a:rPr lang="en-US" b="1" dirty="0"/>
-              <a:t>Data Exploration (EDA)</a:t>
+              <a:t>2. Data Exploration (EDA)</a:t>
             </a:r>
           </a:p>
         </p:txBody>
@@ -19473,7 +19540,7 @@
         </p:blipFill>
         <p:spPr>
           <a:xfrm>
-            <a:off x="8097234" y="1046392"/>
+            <a:off x="8080848" y="948637"/>
             <a:ext cx="3829267" cy="3733956"/>
           </a:xfrm>
           <a:prstGeom prst="rect">
@@ -19671,15 +19738,15 @@
           <a:p>
             <a:pPr algn="ctr"/>
             <a:r>
-              <a:rPr lang="en-US" dirty="0"/>
+              <a:rPr lang="en-US" sz="1600" dirty="0"/>
               <a:t>Is there a widespread discrimination and non neutrality in the tone of questions posted on </a:t>
             </a:r>
             <a:r>
-              <a:rPr lang="en-US" dirty="0" err="1"/>
+              <a:rPr lang="en-US" sz="1600" dirty="0" err="1"/>
               <a:t>quora</a:t>
             </a:r>
             <a:r>
-              <a:rPr lang="en-US" dirty="0"/>
+              <a:rPr lang="en-US" sz="1600" dirty="0"/>
               <a:t>? </a:t>
             </a:r>
           </a:p>
@@ -20322,7 +20389,7 @@
           <a:p>
             <a:pPr algn="ctr"/>
             <a:r>
-              <a:rPr lang="en-US" dirty="0"/>
+              <a:rPr lang="en-US" sz="1600" dirty="0"/>
               <a:t>If you were not convinced by what I showed earlier, see these most frequent bigram words….</a:t>
             </a:r>
           </a:p>
@@ -20418,7 +20485,7 @@
           <a:p>
             <a:pPr algn="ctr"/>
             <a:r>
-              <a:rPr lang="en-US" dirty="0"/>
+              <a:rPr lang="en-US" sz="1600" dirty="0"/>
               <a:t>I just want the limelight…</a:t>
             </a:r>
           </a:p>
@@ -20495,14 +20562,14 @@
           <p:nvPr>
             <p:extLst>
               <p:ext uri="{D42A27DB-BD31-4B8C-83A1-F6EECF244321}">
-                <p14:modId xmlns:p14="http://schemas.microsoft.com/office/powerpoint/2010/main" val="2651137842"/>
+                <p14:modId xmlns:p14="http://schemas.microsoft.com/office/powerpoint/2010/main" val="4071766129"/>
               </p:ext>
             </p:extLst>
           </p:nvPr>
         </p:nvGraphicFramePr>
         <p:xfrm>
-          <a:off x="6421664" y="2880526"/>
-          <a:ext cx="4854671" cy="2151776"/>
+          <a:off x="6421665" y="2880526"/>
+          <a:ext cx="4532086" cy="2151776"/>
         </p:xfrm>
         <a:graphic>
           <a:graphicData uri="http://schemas.openxmlformats.org/drawingml/2006/diagram">
@@ -20524,7 +20591,7 @@
         </p:nvSpPr>
         <p:spPr>
           <a:xfrm>
-            <a:off x="5360560" y="3827156"/>
+            <a:off x="5312935" y="3827156"/>
             <a:ext cx="1180292" cy="217049"/>
           </a:xfrm>
           <a:prstGeom prst="rightArrow">
@@ -21154,7 +21221,7 @@
         </p:nvSpPr>
         <p:spPr>
           <a:xfrm>
-            <a:off x="5950706" y="827851"/>
+            <a:off x="5917149" y="627796"/>
             <a:ext cx="6094602" cy="400110"/>
           </a:xfrm>
           <a:prstGeom prst="rect">
@@ -21198,7 +21265,7 @@
         <p:spPr>
           <a:xfrm>
             <a:off x="265499" y="404949"/>
-            <a:ext cx="4944063" cy="771900"/>
+            <a:ext cx="5312483" cy="771900"/>
           </a:xfrm>
           <a:prstGeom prst="rect">
             <a:avLst/>
@@ -21235,7 +21302,7 @@
             </a:pPr>
             <a:r>
               <a:rPr lang="en-US" b="1" dirty="0"/>
-              <a:t>Feature Engineering</a:t>
+              <a:t>3. Feature Engineering</a:t>
             </a:r>
           </a:p>
         </p:txBody>
@@ -21293,6 +21360,87 @@
               <a:ea typeface="Calibri" panose="020F0502020204030204" pitchFamily="34" charset="0"/>
               <a:cs typeface="Times New Roman" panose="02020603050405020304" pitchFamily="18" charset="0"/>
             </a:endParaRPr>
+          </a:p>
+        </p:txBody>
+      </p:sp>
+      <p:sp>
+        <p:nvSpPr>
+          <p:cNvPr id="4" name="Plus Sign 3">
+            <a:extLst>
+              <a:ext uri="{FF2B5EF4-FFF2-40B4-BE49-F238E27FC236}">
+                <a16:creationId xmlns:a16="http://schemas.microsoft.com/office/drawing/2014/main" id="{B54F9554-CE09-48EC-9992-4AF3BA97EB5F}"/>
+              </a:ext>
+            </a:extLst>
+          </p:cNvPr>
+          <p:cNvSpPr/>
+          <p:nvPr/>
+        </p:nvSpPr>
+        <p:spPr>
+          <a:xfrm>
+            <a:off x="9746521" y="5821377"/>
+            <a:ext cx="369029" cy="408827"/>
+          </a:xfrm>
+          <a:prstGeom prst="mathPlus">
+            <a:avLst/>
+          </a:prstGeom>
+        </p:spPr>
+        <p:style>
+          <a:lnRef idx="2">
+            <a:schemeClr val="accent1">
+              <a:shade val="50000"/>
+            </a:schemeClr>
+          </a:lnRef>
+          <a:fillRef idx="1">
+            <a:schemeClr val="accent1"/>
+          </a:fillRef>
+          <a:effectRef idx="0">
+            <a:schemeClr val="accent1"/>
+          </a:effectRef>
+          <a:fontRef idx="minor">
+            <a:schemeClr val="lt1"/>
+          </a:fontRef>
+        </p:style>
+        <p:txBody>
+          <a:bodyPr rtlCol="0" anchor="ctr"/>
+          <a:lstStyle/>
+          <a:p>
+            <a:pPr algn="ctr"/>
+            <a:endParaRPr lang="en-US"/>
+          </a:p>
+        </p:txBody>
+      </p:sp>
+      <p:sp>
+        <p:nvSpPr>
+          <p:cNvPr id="26" name="TextBox 25">
+            <a:extLst>
+              <a:ext uri="{FF2B5EF4-FFF2-40B4-BE49-F238E27FC236}">
+                <a16:creationId xmlns:a16="http://schemas.microsoft.com/office/drawing/2014/main" id="{9D0CD1E5-55AA-43F8-9692-572CBCC36013}"/>
+              </a:ext>
+            </a:extLst>
+          </p:cNvPr>
+          <p:cNvSpPr txBox="1"/>
+          <p:nvPr/>
+        </p:nvSpPr>
+        <p:spPr>
+          <a:xfrm>
+            <a:off x="9441491" y="2470300"/>
+            <a:ext cx="1912309" cy="276999"/>
+          </a:xfrm>
+          <a:prstGeom prst="rect">
+            <a:avLst/>
+          </a:prstGeom>
+          <a:noFill/>
+        </p:spPr>
+        <p:txBody>
+          <a:bodyPr wrap="square" rtlCol="0">
+            <a:spAutoFit/>
+          </a:bodyPr>
+          <a:lstStyle/>
+          <a:p>
+            <a:r>
+              <a:rPr lang="en-US" sz="1200" b="1" dirty="0"/>
+              <a:t>Data pre-processing</a:t>
+            </a:r>
           </a:p>
         </p:txBody>
       </p:sp>

--- a/Capstone Two/reports/Capstone_Presentation.pptx
+++ b/Capstone Two/reports/Capstone_Presentation.pptx
@@ -11072,8 +11072,8 @@
         </p:nvSpPr>
         <p:spPr>
           <a:xfrm>
-            <a:off x="265500" y="404949"/>
-            <a:ext cx="6680584" cy="771900"/>
+            <a:off x="265499" y="404949"/>
+            <a:ext cx="6954451" cy="771900"/>
           </a:xfrm>
           <a:prstGeom prst="rect">
             <a:avLst/>
@@ -11110,7 +11110,7 @@
             </a:pPr>
             <a:r>
               <a:rPr lang="en-US" b="1" dirty="0"/>
-              <a:t>Machine Learning Modeling</a:t>
+              <a:t>4. Machine Learning Modeling</a:t>
             </a:r>
           </a:p>
         </p:txBody>
@@ -11602,7 +11602,7 @@
         </p:nvSpPr>
         <p:spPr>
           <a:xfrm>
-            <a:off x="7060535" y="590844"/>
+            <a:off x="7326035" y="599983"/>
             <a:ext cx="4865965" cy="400110"/>
           </a:xfrm>
           <a:prstGeom prst="rect">

--- a/Capstone Two/reports/Capstone_Presentation.pptx
+++ b/Capstone Two/reports/Capstone_Presentation.pptx
@@ -19695,63 +19695,6 @@
           </a:ln>
         </p:spPr>
       </p:pic>
-      <p:sp>
-        <p:nvSpPr>
-          <p:cNvPr id="7" name="Cloud 6">
-            <a:extLst>
-              <a:ext uri="{FF2B5EF4-FFF2-40B4-BE49-F238E27FC236}">
-                <a16:creationId xmlns:a16="http://schemas.microsoft.com/office/drawing/2014/main" id="{9E137C9A-E087-4B37-A3F0-A0B288707FA2}"/>
-              </a:ext>
-            </a:extLst>
-          </p:cNvPr>
-          <p:cNvSpPr/>
-          <p:nvPr/>
-        </p:nvSpPr>
-        <p:spPr>
-          <a:xfrm>
-            <a:off x="500605" y="239087"/>
-            <a:ext cx="4390239" cy="1736521"/>
-          </a:xfrm>
-          <a:prstGeom prst="cloud">
-            <a:avLst/>
-          </a:prstGeom>
-        </p:spPr>
-        <p:style>
-          <a:lnRef idx="2">
-            <a:schemeClr val="accent1">
-              <a:shade val="50000"/>
-            </a:schemeClr>
-          </a:lnRef>
-          <a:fillRef idx="1">
-            <a:schemeClr val="accent1"/>
-          </a:fillRef>
-          <a:effectRef idx="0">
-            <a:schemeClr val="accent1"/>
-          </a:effectRef>
-          <a:fontRef idx="minor">
-            <a:schemeClr val="lt1"/>
-          </a:fontRef>
-        </p:style>
-        <p:txBody>
-          <a:bodyPr rtlCol="0" anchor="ctr"/>
-          <a:lstStyle/>
-          <a:p>
-            <a:pPr algn="ctr"/>
-            <a:r>
-              <a:rPr lang="en-US" sz="1600" dirty="0"/>
-              <a:t>Is there a widespread discrimination and non neutrality in the tone of questions posted on </a:t>
-            </a:r>
-            <a:r>
-              <a:rPr lang="en-US" sz="1600" dirty="0" err="1"/>
-              <a:t>quora</a:t>
-            </a:r>
-            <a:r>
-              <a:rPr lang="en-US" sz="1600" dirty="0"/>
-              <a:t>? </a:t>
-            </a:r>
-          </a:p>
-        </p:txBody>
-      </p:sp>
       <p:pic>
         <p:nvPicPr>
           <p:cNvPr id="11" name="Picture 10" descr="A person wearing a suit and tie&#10;&#10;Description automatically generated">
@@ -19873,6 +19816,189 @@
       </p:sp>
       <p:pic>
         <p:nvPicPr>
+          <p:cNvPr id="12" name="Picture 11" descr="A picture containing calendar&#10;&#10;Description automatically generated">
+            <a:extLst>
+              <a:ext uri="{FF2B5EF4-FFF2-40B4-BE49-F238E27FC236}">
+                <a16:creationId xmlns:a16="http://schemas.microsoft.com/office/drawing/2014/main" id="{A3CA2624-192E-4986-8F87-C9E33035FE8E}"/>
+              </a:ext>
+            </a:extLst>
+          </p:cNvPr>
+          <p:cNvPicPr>
+            <a:picLocks noChangeAspect="1"/>
+          </p:cNvPicPr>
+          <p:nvPr/>
+        </p:nvPicPr>
+        <p:blipFill rotWithShape="1">
+          <a:blip r:embed="rId7">
+            <a:extLst>
+              <a:ext uri="{28A0092B-C50C-407E-A947-70E740481C1C}">
+                <a14:useLocalDpi xmlns:a14="http://schemas.microsoft.com/office/drawing/2010/main" val="0"/>
+              </a:ext>
+            </a:extLst>
+          </a:blip>
+          <a:srcRect b="8326"/>
+          <a:stretch/>
+        </p:blipFill>
+        <p:spPr>
+          <a:xfrm>
+            <a:off x="6065843" y="4569522"/>
+            <a:ext cx="1607900" cy="1590041"/>
+          </a:xfrm>
+          <a:prstGeom prst="rect">
+            <a:avLst/>
+          </a:prstGeom>
+        </p:spPr>
+      </p:pic>
+      <p:sp>
+        <p:nvSpPr>
+          <p:cNvPr id="15" name="Cloud 14">
+            <a:extLst>
+              <a:ext uri="{FF2B5EF4-FFF2-40B4-BE49-F238E27FC236}">
+                <a16:creationId xmlns:a16="http://schemas.microsoft.com/office/drawing/2014/main" id="{1D75F318-1022-47FD-920F-D3BC6A292ADA}"/>
+              </a:ext>
+            </a:extLst>
+          </p:cNvPr>
+          <p:cNvSpPr/>
+          <p:nvPr/>
+        </p:nvSpPr>
+        <p:spPr>
+          <a:xfrm>
+            <a:off x="5714032" y="3324225"/>
+            <a:ext cx="2603491" cy="1389388"/>
+          </a:xfrm>
+          <a:prstGeom prst="cloud">
+            <a:avLst/>
+          </a:prstGeom>
+          <a:solidFill>
+            <a:schemeClr val="bg1"/>
+          </a:solidFill>
+        </p:spPr>
+        <p:style>
+          <a:lnRef idx="2">
+            <a:schemeClr val="accent1">
+              <a:shade val="50000"/>
+            </a:schemeClr>
+          </a:lnRef>
+          <a:fillRef idx="1">
+            <a:schemeClr val="accent1"/>
+          </a:fillRef>
+          <a:effectRef idx="0">
+            <a:schemeClr val="accent1"/>
+          </a:effectRef>
+          <a:fontRef idx="minor">
+            <a:schemeClr val="lt1"/>
+          </a:fontRef>
+        </p:style>
+        <p:txBody>
+          <a:bodyPr rtlCol="0" anchor="ctr"/>
+          <a:lstStyle/>
+          <a:p>
+            <a:pPr algn="ctr"/>
+            <a:r>
+              <a:rPr lang="en-US" sz="1400" dirty="0">
+                <a:solidFill>
+                  <a:schemeClr val="tx1"/>
+                </a:solidFill>
+              </a:rPr>
+              <a:t>What is this then? Isn’t this misinformation/ non neutral/ insincere data?</a:t>
+            </a:r>
+          </a:p>
+        </p:txBody>
+      </p:sp>
+      <p:pic>
+        <p:nvPicPr>
+          <p:cNvPr id="17" name="Picture 16" descr="A picture containing calendar&#10;&#10;Description automatically generated">
+            <a:extLst>
+              <a:ext uri="{FF2B5EF4-FFF2-40B4-BE49-F238E27FC236}">
+                <a16:creationId xmlns:a16="http://schemas.microsoft.com/office/drawing/2014/main" id="{27D7DD03-0BBF-49F9-B8BE-48703746A624}"/>
+              </a:ext>
+            </a:extLst>
+          </p:cNvPr>
+          <p:cNvPicPr>
+            <a:picLocks noChangeAspect="1"/>
+          </p:cNvPicPr>
+          <p:nvPr/>
+        </p:nvPicPr>
+        <p:blipFill rotWithShape="1">
+          <a:blip r:embed="rId7">
+            <a:extLst>
+              <a:ext uri="{28A0092B-C50C-407E-A947-70E740481C1C}">
+                <a14:useLocalDpi xmlns:a14="http://schemas.microsoft.com/office/drawing/2010/main" val="0"/>
+              </a:ext>
+            </a:extLst>
+          </a:blip>
+          <a:srcRect b="8326"/>
+          <a:stretch/>
+        </p:blipFill>
+        <p:spPr>
+          <a:xfrm>
+            <a:off x="3709016" y="331164"/>
+            <a:ext cx="1607900" cy="1590041"/>
+          </a:xfrm>
+          <a:prstGeom prst="rect">
+            <a:avLst/>
+          </a:prstGeom>
+        </p:spPr>
+      </p:pic>
+      <p:sp>
+        <p:nvSpPr>
+          <p:cNvPr id="7" name="Cloud 6">
+            <a:extLst>
+              <a:ext uri="{FF2B5EF4-FFF2-40B4-BE49-F238E27FC236}">
+                <a16:creationId xmlns:a16="http://schemas.microsoft.com/office/drawing/2014/main" id="{9E137C9A-E087-4B37-A3F0-A0B288707FA2}"/>
+              </a:ext>
+            </a:extLst>
+          </p:cNvPr>
+          <p:cNvSpPr/>
+          <p:nvPr/>
+        </p:nvSpPr>
+        <p:spPr>
+          <a:xfrm>
+            <a:off x="-437148" y="39337"/>
+            <a:ext cx="4390239" cy="1736521"/>
+          </a:xfrm>
+          <a:prstGeom prst="cloud">
+            <a:avLst/>
+          </a:prstGeom>
+        </p:spPr>
+        <p:style>
+          <a:lnRef idx="2">
+            <a:schemeClr val="accent1">
+              <a:shade val="50000"/>
+            </a:schemeClr>
+          </a:lnRef>
+          <a:fillRef idx="1">
+            <a:schemeClr val="accent1"/>
+          </a:fillRef>
+          <a:effectRef idx="0">
+            <a:schemeClr val="accent1"/>
+          </a:effectRef>
+          <a:fontRef idx="minor">
+            <a:schemeClr val="lt1"/>
+          </a:fontRef>
+        </p:style>
+        <p:txBody>
+          <a:bodyPr rtlCol="0" anchor="ctr"/>
+          <a:lstStyle/>
+          <a:p>
+            <a:pPr algn="ctr"/>
+            <a:r>
+              <a:rPr lang="en-US" sz="1600" dirty="0"/>
+              <a:t>Is there a widespread discrimination and non neutrality in the tone of questions posted on </a:t>
+            </a:r>
+            <a:r>
+              <a:rPr lang="en-US" sz="1600" dirty="0" err="1"/>
+              <a:t>quora</a:t>
+            </a:r>
+            <a:r>
+              <a:rPr lang="en-US" sz="1600" dirty="0"/>
+              <a:t>? </a:t>
+            </a:r>
+          </a:p>
+        </p:txBody>
+      </p:sp>
+      <p:pic>
+        <p:nvPicPr>
           <p:cNvPr id="16" name="Picture 15" descr="A person looking at the camera&#10;&#10;Description automatically generated">
             <a:extLst>
               <a:ext uri="{FF2B5EF4-FFF2-40B4-BE49-F238E27FC236}">
@@ -19886,7 +20012,8 @@
           <p:nvPr/>
         </p:nvPicPr>
         <p:blipFill>
-          <a:blip r:embed="rId7">
+          <a:blip r:embed="rId8">
+            <a:alphaModFix amt="50000"/>
             <a:extLst>
               <a:ext uri="{28A0092B-C50C-407E-A947-70E740481C1C}">
                 <a14:useLocalDpi xmlns:a14="http://schemas.microsoft.com/office/drawing/2010/main" val="0"/>
@@ -19899,7 +20026,7 @@
         </p:blipFill>
         <p:spPr>
           <a:xfrm>
-            <a:off x="5072841" y="423896"/>
+            <a:off x="5072841" y="385796"/>
             <a:ext cx="2516697" cy="1576878"/>
           </a:xfrm>
           <a:prstGeom prst="rect">
@@ -20017,7 +20144,7 @@
       </p:pic>
       <p:pic>
         <p:nvPicPr>
-          <p:cNvPr id="14" name="Picture 13" descr="A group of people posing for the camera&#10;&#10;Description automatically generated">
+          <p:cNvPr id="14" name="Picture 13">
             <a:extLst>
               <a:ext uri="{FF2B5EF4-FFF2-40B4-BE49-F238E27FC236}">
                 <a16:creationId xmlns:a16="http://schemas.microsoft.com/office/drawing/2014/main" id="{D90A55B2-CE5D-4C50-9E94-9D599EB6AE97}"/>
@@ -20031,21 +20158,20 @@
         </p:nvPicPr>
         <p:blipFill>
           <a:blip r:embed="rId4">
-            <a:alphaModFix amt="20000"/>
+            <a:alphaModFix amt="35000"/>
             <a:extLst>
               <a:ext uri="{28A0092B-C50C-407E-A947-70E740481C1C}">
                 <a14:useLocalDpi xmlns:a14="http://schemas.microsoft.com/office/drawing/2010/main" val="0"/>
               </a:ext>
             </a:extLst>
           </a:blip>
-          <a:stretch>
-            <a:fillRect/>
-          </a:stretch>
+          <a:srcRect/>
+          <a:stretch/>
         </p:blipFill>
         <p:spPr>
           <a:xfrm>
-            <a:off x="7038263" y="426166"/>
-            <a:ext cx="1496724" cy="734330"/>
+            <a:off x="7038263" y="47771"/>
+            <a:ext cx="1547222" cy="1243968"/>
           </a:xfrm>
           <a:prstGeom prst="rect">
             <a:avLst/>
@@ -20066,7 +20192,7 @@
           </p:cNvPicPr>
           <p:nvPr/>
         </p:nvPicPr>
-        <p:blipFill>
+        <p:blipFill rotWithShape="1">
           <a:blip r:embed="rId5">
             <a:extLst>
               <a:ext uri="{28A0092B-C50C-407E-A947-70E740481C1C}">
@@ -20074,51 +20200,13 @@
               </a:ext>
             </a:extLst>
           </a:blip>
-          <a:stretch>
-            <a:fillRect/>
-          </a:stretch>
+          <a:srcRect t="23246" b="25895"/>
+          <a:stretch/>
         </p:blipFill>
         <p:spPr>
           <a:xfrm>
-            <a:off x="5684269" y="866970"/>
-            <a:ext cx="1353994" cy="1353994"/>
-          </a:xfrm>
-          <a:prstGeom prst="rect">
-            <a:avLst/>
-          </a:prstGeom>
-        </p:spPr>
-      </p:pic>
-      <p:pic>
-        <p:nvPicPr>
-          <p:cNvPr id="22" name="Picture 21" descr="A person smiling for the camera&#10;&#10;Description automatically generated">
-            <a:extLst>
-              <a:ext uri="{FF2B5EF4-FFF2-40B4-BE49-F238E27FC236}">
-                <a16:creationId xmlns:a16="http://schemas.microsoft.com/office/drawing/2014/main" id="{7C90E273-7112-4A65-A538-A0454C481F46}"/>
-              </a:ext>
-            </a:extLst>
-          </p:cNvPr>
-          <p:cNvPicPr>
-            <a:picLocks noChangeAspect="1"/>
-          </p:cNvPicPr>
-          <p:nvPr/>
-        </p:nvPicPr>
-        <p:blipFill>
-          <a:blip r:embed="rId6">
-            <a:alphaModFix amt="50000"/>
-            <a:extLst>
-              <a:ext uri="{28A0092B-C50C-407E-A947-70E740481C1C}">
-                <a14:useLocalDpi xmlns:a14="http://schemas.microsoft.com/office/drawing/2010/main" val="0"/>
-              </a:ext>
-            </a:extLst>
-          </a:blip>
-          <a:stretch>
-            <a:fillRect/>
-          </a:stretch>
-        </p:blipFill>
-        <p:spPr>
-          <a:xfrm>
-            <a:off x="4097365" y="681365"/>
-            <a:ext cx="1711181" cy="958261"/>
+            <a:off x="5684269" y="1200767"/>
+            <a:ext cx="1353994" cy="688625"/>
           </a:xfrm>
           <a:prstGeom prst="rect">
             <a:avLst/>
@@ -20140,7 +20228,7 @@
           <p:nvPr/>
         </p:nvPicPr>
         <p:blipFill>
-          <a:blip r:embed="rId7">
+          <a:blip r:embed="rId6">
             <a:alphaModFix amt="35000"/>
             <a:extLst>
               <a:ext uri="{28A0092B-C50C-407E-A947-70E740481C1C}">
@@ -20154,8 +20242,8 @@
         </p:blipFill>
         <p:spPr>
           <a:xfrm>
-            <a:off x="6425503" y="1859863"/>
-            <a:ext cx="1395546" cy="925308"/>
+            <a:off x="6165034" y="1928601"/>
+            <a:ext cx="1704352" cy="1130060"/>
           </a:xfrm>
           <a:prstGeom prst="rect">
             <a:avLst/>
@@ -20177,7 +20265,7 @@
           <p:nvPr/>
         </p:nvPicPr>
         <p:blipFill>
-          <a:blip r:embed="rId8">
+          <a:blip r:embed="rId7">
             <a:alphaModFix amt="35000"/>
             <a:extLst>
               <a:ext uri="{28A0092B-C50C-407E-A947-70E740481C1C}">
@@ -20214,7 +20302,7 @@
           <p:nvPr/>
         </p:nvPicPr>
         <p:blipFill rotWithShape="1">
-          <a:blip r:embed="rId9">
+          <a:blip r:embed="rId8">
             <a:extLst>
               <a:ext uri="{28A0092B-C50C-407E-A947-70E740481C1C}">
                 <a14:useLocalDpi xmlns:a14="http://schemas.microsoft.com/office/drawing/2010/main" val="0"/>
@@ -20249,7 +20337,7 @@
           <p:nvPr/>
         </p:nvPicPr>
         <p:blipFill>
-          <a:blip r:embed="rId10">
+          <a:blip r:embed="rId9">
             <a:alphaModFix amt="35000"/>
             <a:extLst>
               <a:ext uri="{28A0092B-C50C-407E-A947-70E740481C1C}">
@@ -20317,20 +20405,12 @@
           <a:p>
             <a:pPr algn="ctr"/>
             <a:r>
-              <a:rPr lang="en-US" sz="1600" dirty="0" err="1">
-                <a:solidFill>
-                  <a:schemeClr val="tx1"/>
-                </a:solidFill>
-              </a:rPr>
-              <a:t>Mr</a:t>
-            </a:r>
-            <a:r>
               <a:rPr lang="en-US" sz="1600" dirty="0">
                 <a:solidFill>
                   <a:schemeClr val="tx1"/>
                 </a:solidFill>
               </a:rPr>
-              <a:t> Trump and team, ever heard about fake news?</a:t>
+              <a:t>Folks, ever heard about fake news?</a:t>
             </a:r>
           </a:p>
           <a:p>
@@ -20342,55 +20422,6 @@
                 </a:solidFill>
               </a:rPr>
               <a:t>We are here to do policing and punish the misinformation spreaders</a:t>
-            </a:r>
-          </a:p>
-        </p:txBody>
-      </p:sp>
-      <p:sp>
-        <p:nvSpPr>
-          <p:cNvPr id="6" name="Cloud 5">
-            <a:extLst>
-              <a:ext uri="{FF2B5EF4-FFF2-40B4-BE49-F238E27FC236}">
-                <a16:creationId xmlns:a16="http://schemas.microsoft.com/office/drawing/2014/main" id="{E4355507-E0D5-45E1-8327-C71396C1F8C0}"/>
-              </a:ext>
-            </a:extLst>
-          </p:cNvPr>
-          <p:cNvSpPr/>
-          <p:nvPr/>
-        </p:nvSpPr>
-        <p:spPr>
-          <a:xfrm>
-            <a:off x="103304" y="123342"/>
-            <a:ext cx="3780686" cy="1736521"/>
-          </a:xfrm>
-          <a:prstGeom prst="cloud">
-            <a:avLst/>
-          </a:prstGeom>
-        </p:spPr>
-        <p:style>
-          <a:lnRef idx="2">
-            <a:schemeClr val="accent1">
-              <a:shade val="50000"/>
-            </a:schemeClr>
-          </a:lnRef>
-          <a:fillRef idx="1">
-            <a:schemeClr val="accent1"/>
-          </a:fillRef>
-          <a:effectRef idx="0">
-            <a:schemeClr val="accent1"/>
-          </a:effectRef>
-          <a:fontRef idx="minor">
-            <a:schemeClr val="lt1"/>
-          </a:fontRef>
-        </p:style>
-        <p:txBody>
-          <a:bodyPr rtlCol="0" anchor="ctr"/>
-          <a:lstStyle/>
-          <a:p>
-            <a:pPr algn="ctr"/>
-            <a:r>
-              <a:rPr lang="en-US" sz="1600" dirty="0"/>
-              <a:t>If you were not convinced by what I showed earlier, see these most frequent bigram words….</a:t>
             </a:r>
           </a:p>
         </p:txBody>
@@ -20456,7 +20487,7 @@
         </p:nvSpPr>
         <p:spPr>
           <a:xfrm>
-            <a:off x="9086678" y="176843"/>
+            <a:off x="8635461" y="60403"/>
             <a:ext cx="3176238" cy="1023924"/>
           </a:xfrm>
           <a:prstGeom prst="cloud">
@@ -20486,11 +20517,169 @@
             <a:pPr algn="ctr"/>
             <a:r>
               <a:rPr lang="en-US" sz="1600" dirty="0"/>
-              <a:t>I just want the limelight…</a:t>
+              <a:t>“No news is bad news”…We just want the limelight…</a:t>
             </a:r>
           </a:p>
         </p:txBody>
       </p:sp>
+      <p:pic>
+        <p:nvPicPr>
+          <p:cNvPr id="15" name="Picture 14" descr="A picture containing calendar&#10;&#10;Description automatically generated">
+            <a:extLst>
+              <a:ext uri="{FF2B5EF4-FFF2-40B4-BE49-F238E27FC236}">
+                <a16:creationId xmlns:a16="http://schemas.microsoft.com/office/drawing/2014/main" id="{C93FFC89-051A-4604-BBEB-2CD203D25F84}"/>
+              </a:ext>
+            </a:extLst>
+          </p:cNvPr>
+          <p:cNvPicPr>
+            <a:picLocks noChangeAspect="1"/>
+          </p:cNvPicPr>
+          <p:nvPr/>
+        </p:nvPicPr>
+        <p:blipFill rotWithShape="1">
+          <a:blip r:embed="rId8">
+            <a:extLst>
+              <a:ext uri="{28A0092B-C50C-407E-A947-70E740481C1C}">
+                <a14:useLocalDpi xmlns:a14="http://schemas.microsoft.com/office/drawing/2010/main" val="0"/>
+              </a:ext>
+            </a:extLst>
+          </a:blip>
+          <a:srcRect b="8326"/>
+          <a:stretch/>
+        </p:blipFill>
+        <p:spPr>
+          <a:xfrm>
+            <a:off x="2005972" y="1543967"/>
+            <a:ext cx="1607900" cy="1590041"/>
+          </a:xfrm>
+          <a:prstGeom prst="rect">
+            <a:avLst/>
+          </a:prstGeom>
+        </p:spPr>
+      </p:pic>
+      <p:sp>
+        <p:nvSpPr>
+          <p:cNvPr id="6" name="Cloud 5">
+            <a:extLst>
+              <a:ext uri="{FF2B5EF4-FFF2-40B4-BE49-F238E27FC236}">
+                <a16:creationId xmlns:a16="http://schemas.microsoft.com/office/drawing/2014/main" id="{E4355507-E0D5-45E1-8327-C71396C1F8C0}"/>
+              </a:ext>
+            </a:extLst>
+          </p:cNvPr>
+          <p:cNvSpPr/>
+          <p:nvPr/>
+        </p:nvSpPr>
+        <p:spPr>
+          <a:xfrm>
+            <a:off x="103304" y="104292"/>
+            <a:ext cx="3780686" cy="1736521"/>
+          </a:xfrm>
+          <a:prstGeom prst="cloud">
+            <a:avLst/>
+          </a:prstGeom>
+        </p:spPr>
+        <p:style>
+          <a:lnRef idx="2">
+            <a:schemeClr val="accent1">
+              <a:shade val="50000"/>
+            </a:schemeClr>
+          </a:lnRef>
+          <a:fillRef idx="1">
+            <a:schemeClr val="accent1"/>
+          </a:fillRef>
+          <a:effectRef idx="0">
+            <a:schemeClr val="accent1"/>
+          </a:effectRef>
+          <a:fontRef idx="minor">
+            <a:schemeClr val="lt1"/>
+          </a:fontRef>
+        </p:style>
+        <p:txBody>
+          <a:bodyPr rtlCol="0" anchor="ctr"/>
+          <a:lstStyle/>
+          <a:p>
+            <a:pPr algn="ctr"/>
+            <a:r>
+              <a:rPr lang="en-US" sz="1600" dirty="0"/>
+              <a:t>If you were not convinced by what I showed earlier, see these most frequent bigram words….</a:t>
+            </a:r>
+          </a:p>
+        </p:txBody>
+      </p:sp>
+      <p:pic>
+        <p:nvPicPr>
+          <p:cNvPr id="3" name="Picture 2" descr="Two men in a room&#10;&#10;Description automatically generated">
+            <a:extLst>
+              <a:ext uri="{FF2B5EF4-FFF2-40B4-BE49-F238E27FC236}">
+                <a16:creationId xmlns:a16="http://schemas.microsoft.com/office/drawing/2014/main" id="{80A49258-01AE-4005-86A8-D210F63D4EB5}"/>
+              </a:ext>
+            </a:extLst>
+          </p:cNvPr>
+          <p:cNvPicPr>
+            <a:picLocks noChangeAspect="1"/>
+          </p:cNvPicPr>
+          <p:nvPr/>
+        </p:nvPicPr>
+        <p:blipFill>
+          <a:blip r:embed="rId10">
+            <a:alphaModFix amt="35000"/>
+            <a:extLst>
+              <a:ext uri="{28A0092B-C50C-407E-A947-70E740481C1C}">
+                <a14:useLocalDpi xmlns:a14="http://schemas.microsoft.com/office/drawing/2010/main" val="0"/>
+              </a:ext>
+            </a:extLst>
+          </a:blip>
+          <a:stretch>
+            <a:fillRect/>
+          </a:stretch>
+        </p:blipFill>
+        <p:spPr>
+          <a:xfrm>
+            <a:off x="5076825" y="66581"/>
+            <a:ext cx="1694232" cy="847116"/>
+          </a:xfrm>
+          <a:prstGeom prst="rect">
+            <a:avLst/>
+          </a:prstGeom>
+        </p:spPr>
+      </p:pic>
+      <p:pic>
+        <p:nvPicPr>
+          <p:cNvPr id="22" name="Picture 21" descr="A person smiling for the camera&#10;&#10;Description automatically generated">
+            <a:extLst>
+              <a:ext uri="{FF2B5EF4-FFF2-40B4-BE49-F238E27FC236}">
+                <a16:creationId xmlns:a16="http://schemas.microsoft.com/office/drawing/2014/main" id="{7C90E273-7112-4A65-A538-A0454C481F46}"/>
+              </a:ext>
+            </a:extLst>
+          </p:cNvPr>
+          <p:cNvPicPr>
+            <a:picLocks noChangeAspect="1"/>
+          </p:cNvPicPr>
+          <p:nvPr/>
+        </p:nvPicPr>
+        <p:blipFill>
+          <a:blip r:embed="rId11">
+            <a:alphaModFix amt="35000"/>
+            <a:extLst>
+              <a:ext uri="{28A0092B-C50C-407E-A947-70E740481C1C}">
+                <a14:useLocalDpi xmlns:a14="http://schemas.microsoft.com/office/drawing/2010/main" val="0"/>
+              </a:ext>
+            </a:extLst>
+          </a:blip>
+          <a:stretch>
+            <a:fillRect/>
+          </a:stretch>
+        </p:blipFill>
+        <p:spPr>
+          <a:xfrm>
+            <a:off x="4097365" y="700415"/>
+            <a:ext cx="1711181" cy="958261"/>
+          </a:xfrm>
+          <a:prstGeom prst="rect">
+            <a:avLst/>
+          </a:prstGeom>
+        </p:spPr>
+      </p:pic>
     </p:spTree>
     <p:extLst>
       <p:ext uri="{BB962C8B-B14F-4D97-AF65-F5344CB8AC3E}">
